--- a/lectures/p-01-measurement.pptx
+++ b/lectures/p-01-measurement.pptx
@@ -13,8 +13,8 @@
     <p:sldId id="683" r:id="rId4"/>
     <p:sldId id="335" r:id="rId5"/>
     <p:sldId id="336" r:id="rId6"/>
-    <p:sldId id="684" r:id="rId7"/>
-    <p:sldId id="685" r:id="rId8"/>
+    <p:sldId id="690" r:id="rId7"/>
+    <p:sldId id="684" r:id="rId8"/>
     <p:sldId id="629" r:id="rId9"/>
     <p:sldId id="688" r:id="rId10"/>
     <p:sldId id="554" r:id="rId11"/>
@@ -44,17 +44,17 @@
     <p:sldId id="618" r:id="rId35"/>
     <p:sldId id="613" r:id="rId36"/>
     <p:sldId id="627" r:id="rId37"/>
-    <p:sldId id="569" r:id="rId38"/>
-    <p:sldId id="603" r:id="rId39"/>
-    <p:sldId id="580" r:id="rId40"/>
+    <p:sldId id="603" r:id="rId38"/>
+    <p:sldId id="580" r:id="rId39"/>
+    <p:sldId id="569" r:id="rId40"/>
     <p:sldId id="257" r:id="rId41"/>
     <p:sldId id="686" r:id="rId42"/>
     <p:sldId id="623" r:id="rId43"/>
-    <p:sldId id="668" r:id="rId44"/>
-    <p:sldId id="666" r:id="rId45"/>
-    <p:sldId id="667" r:id="rId46"/>
-    <p:sldId id="680" r:id="rId47"/>
-    <p:sldId id="681" r:id="rId48"/>
+    <p:sldId id="680" r:id="rId44"/>
+    <p:sldId id="681" r:id="rId45"/>
+    <p:sldId id="668" r:id="rId46"/>
+    <p:sldId id="666" r:id="rId47"/>
+    <p:sldId id="667" r:id="rId48"/>
   </p:sldIdLst>
   <p:sldSz cx="12192000" cy="6858000"/>
   <p:notesSz cx="6858000" cy="9144000"/>
@@ -254,7 +254,7 @@
           <a:p>
             <a:fld id="{7BFA58BD-0F92-45AA-A860-0F5E82719F00}" type="datetimeFigureOut">
               <a:rPr lang="en-US" smtClean="0"/>
-              <a:t>10/11/2019</a:t>
+              <a:t>10/13/2019</a:t>
             </a:fld>
             <a:endParaRPr lang="en-US"/>
           </a:p>
@@ -650,7 +650,7 @@
           <a:p>
             <a:fld id="{0E2FF5E3-6B0B-4BAC-9381-A76604008B9F}" type="datetime1">
               <a:rPr lang="en-US" smtClean="0"/>
-              <a:t>10/11/2019</a:t>
+              <a:t>10/13/2019</a:t>
             </a:fld>
             <a:endParaRPr lang="en-US"/>
           </a:p>
@@ -818,7 +818,7 @@
           <a:p>
             <a:fld id="{1DA1A997-FDF1-4021-B002-766ACD1458E3}" type="datetime1">
               <a:rPr lang="en-US" smtClean="0"/>
-              <a:t>10/11/2019</a:t>
+              <a:t>10/13/2019</a:t>
             </a:fld>
             <a:endParaRPr lang="en-US"/>
           </a:p>
@@ -996,7 +996,7 @@
           <a:p>
             <a:fld id="{2CE7F72B-F81D-43EB-BFC4-53229BD64617}" type="datetime1">
               <a:rPr lang="en-US" smtClean="0"/>
-              <a:t>10/11/2019</a:t>
+              <a:t>10/13/2019</a:t>
             </a:fld>
             <a:endParaRPr lang="en-US"/>
           </a:p>
@@ -1164,7 +1164,7 @@
           <a:p>
             <a:fld id="{66131095-AB89-47FD-A04F-02CF0E33AAAD}" type="datetime1">
               <a:rPr lang="en-US" smtClean="0"/>
-              <a:t>10/11/2019</a:t>
+              <a:t>10/13/2019</a:t>
             </a:fld>
             <a:endParaRPr lang="en-US"/>
           </a:p>
@@ -1409,7 +1409,7 @@
           <a:p>
             <a:fld id="{79D0F8F9-D66D-498B-AC39-D9CA214811FF}" type="datetime1">
               <a:rPr lang="en-US" smtClean="0"/>
-              <a:t>10/11/2019</a:t>
+              <a:t>10/13/2019</a:t>
             </a:fld>
             <a:endParaRPr lang="en-US"/>
           </a:p>
@@ -1638,7 +1638,7 @@
           <a:p>
             <a:fld id="{0789E530-5522-4589-93B3-45474C7EC673}" type="datetime1">
               <a:rPr lang="en-US" smtClean="0"/>
-              <a:t>10/11/2019</a:t>
+              <a:t>10/13/2019</a:t>
             </a:fld>
             <a:endParaRPr lang="en-US"/>
           </a:p>
@@ -2002,7 +2002,7 @@
           <a:p>
             <a:fld id="{21FC3339-2964-43EF-92CC-541D2CEC1CB7}" type="datetime1">
               <a:rPr lang="en-US" smtClean="0"/>
-              <a:t>10/11/2019</a:t>
+              <a:t>10/13/2019</a:t>
             </a:fld>
             <a:endParaRPr lang="en-US"/>
           </a:p>
@@ -2119,7 +2119,7 @@
           <a:p>
             <a:fld id="{B216FEA0-08FF-4700-841D-E638210D1606}" type="datetime1">
               <a:rPr lang="en-US" smtClean="0"/>
-              <a:t>10/11/2019</a:t>
+              <a:t>10/13/2019</a:t>
             </a:fld>
             <a:endParaRPr lang="en-US"/>
           </a:p>
@@ -2214,7 +2214,7 @@
           <a:p>
             <a:fld id="{DA773991-50FD-4C15-9C62-33B0E92CA6D1}" type="datetime1">
               <a:rPr lang="en-US" smtClean="0"/>
-              <a:t>10/11/2019</a:t>
+              <a:t>10/13/2019</a:t>
             </a:fld>
             <a:endParaRPr lang="en-US"/>
           </a:p>
@@ -2489,7 +2489,7 @@
           <a:p>
             <a:fld id="{F70BA60B-5CFA-490F-9F2D-2F3F52E15F6A}" type="datetime1">
               <a:rPr lang="en-US" smtClean="0"/>
-              <a:t>10/11/2019</a:t>
+              <a:t>10/13/2019</a:t>
             </a:fld>
             <a:endParaRPr lang="en-US"/>
           </a:p>
@@ -2741,7 +2741,7 @@
           <a:p>
             <a:fld id="{8C7D1CF8-0254-4F77-9CB6-9D9C57F0C7A7}" type="datetime1">
               <a:rPr lang="en-US" smtClean="0"/>
-              <a:t>10/11/2019</a:t>
+              <a:t>10/13/2019</a:t>
             </a:fld>
             <a:endParaRPr lang="en-US"/>
           </a:p>
@@ -2952,7 +2952,7 @@
           <a:p>
             <a:fld id="{6A9CFB3B-C7FC-4434-8246-5D1035480919}" type="datetime1">
               <a:rPr lang="en-US" smtClean="0"/>
-              <a:t>10/11/2019</a:t>
+              <a:t>10/13/2019</a:t>
             </a:fld>
             <a:endParaRPr lang="en-US"/>
           </a:p>
@@ -13285,7 +13285,7 @@
 </file>
 
 <file path=ppt/slides/slide37.xml><?xml version="1.0" encoding="utf-8"?>
-<p:sld xmlns:a="http://schemas.openxmlformats.org/drawingml/2006/main" xmlns:r="http://schemas.openxmlformats.org/officeDocument/2006/relationships" xmlns:p="http://schemas.openxmlformats.org/presentationml/2006/main" show="0">
+<p:sld xmlns:a="http://schemas.openxmlformats.org/drawingml/2006/main" xmlns:r="http://schemas.openxmlformats.org/officeDocument/2006/relationships" xmlns:p="http://schemas.openxmlformats.org/presentationml/2006/main">
   <p:cSld>
     <p:spTree>
       <p:nvGrpSpPr>
@@ -13303,7 +13303,34 @@
       </p:grpSpPr>
       <p:sp>
         <p:nvSpPr>
-          <p:cNvPr id="2" name="Slide Number Placeholder 1"/>
+          <p:cNvPr id="2" name="Title 1"/>
+          <p:cNvSpPr>
+            <a:spLocks noGrp="1"/>
+          </p:cNvSpPr>
+          <p:nvPr>
+            <p:ph type="title"/>
+          </p:nvPr>
+        </p:nvSpPr>
+        <p:spPr/>
+        <p:txBody>
+          <a:bodyPr/>
+          <a:lstStyle/>
+          <a:p>
+            <a:r>
+              <a:rPr lang="en-US" cap="all" dirty="0">
+                <a:solidFill>
+                  <a:srgbClr val="186BAD"/>
+                </a:solidFill>
+                <a:latin typeface="Euphemia" panose="020B0503040102020104" pitchFamily="34" charset="0"/>
+              </a:rPr>
+              <a:t>Progress out of poverty index</a:t>
+            </a:r>
+          </a:p>
+        </p:txBody>
+      </p:sp>
+      <p:sp>
+        <p:nvSpPr>
+          <p:cNvPr id="3" name="Slide Number Placeholder 2"/>
           <p:cNvSpPr>
             <a:spLocks noGrp="1"/>
           </p:cNvSpPr>
@@ -13324,155 +13351,138 @@
           </a:p>
         </p:txBody>
       </p:sp>
-      <p:pic>
-        <p:nvPicPr>
-          <p:cNvPr id="7170" name="Picture 2" descr="http://3.bp.blogspot.com/-_jwhqPs_vQI/U8yGP_KBKmI/AAAAAAAAAqA/imYPivcct3o/s1600/apgar.gif"/>
-          <p:cNvPicPr>
-            <a:picLocks noChangeAspect="1" noChangeArrowheads="1"/>
-          </p:cNvPicPr>
-          <p:nvPr/>
-        </p:nvPicPr>
-        <p:blipFill>
-          <a:blip r:embed="rId2">
-            <a:extLst>
-              <a:ext uri="{28A0092B-C50C-407E-A947-70E740481C1C}">
-                <a14:useLocalDpi xmlns:a14="http://schemas.microsoft.com/office/drawing/2010/main" val="0"/>
-              </a:ext>
-            </a:extLst>
-          </a:blip>
-          <a:srcRect/>
-          <a:stretch>
-            <a:fillRect/>
-          </a:stretch>
-        </p:blipFill>
-        <p:spPr bwMode="auto">
-          <a:xfrm>
-            <a:off x="2091466" y="1495295"/>
-            <a:ext cx="7539820" cy="3365029"/>
+      <p:sp>
+        <p:nvSpPr>
+          <p:cNvPr id="6" name="Rectangle 5"/>
+          <p:cNvSpPr/>
+          <p:nvPr/>
+        </p:nvSpPr>
+        <p:spPr>
+          <a:xfrm>
+            <a:off x="1365849" y="5987018"/>
+            <a:ext cx="4756430" cy="369332"/>
           </a:xfrm>
           <a:prstGeom prst="rect">
             <a:avLst/>
           </a:prstGeom>
-          <a:noFill/>
-          <a:extLst>
-            <a:ext uri="{909E8E84-426E-40DD-AFC4-6F175D3DCCD1}">
-              <a14:hiddenFill xmlns:a14="http://schemas.microsoft.com/office/drawing/2010/main">
-                <a:solidFill>
-                  <a:srgbClr val="FFFFFF"/>
-                </a:solidFill>
-              </a14:hiddenFill>
-            </a:ext>
-          </a:extLst>
-        </p:spPr>
-      </p:pic>
-      <p:sp>
-        <p:nvSpPr>
-          <p:cNvPr id="4" name="Title 1"/>
-          <p:cNvSpPr txBox="1">
-            <a:spLocks/>
-          </p:cNvSpPr>
-          <p:nvPr/>
-        </p:nvSpPr>
-        <p:spPr>
-          <a:xfrm>
-            <a:off x="838200" y="365125"/>
-            <a:ext cx="10515600" cy="1325563"/>
-          </a:xfrm>
-          <a:prstGeom prst="rect">
-            <a:avLst/>
-          </a:prstGeom>
-        </p:spPr>
-        <p:txBody>
-          <a:bodyPr>
-            <a:normAutofit/>
-          </a:bodyPr>
-          <a:lstStyle>
-            <a:lvl1pPr algn="l" defTabSz="914400" rtl="0" eaLnBrk="1" latinLnBrk="0" hangingPunct="1">
-              <a:lnSpc>
-                <a:spcPct val="90000"/>
-              </a:lnSpc>
-              <a:spcBef>
-                <a:spcPct val="0"/>
-              </a:spcBef>
-              <a:buNone/>
-              <a:defRPr sz="4400" kern="1200">
-                <a:solidFill>
-                  <a:schemeClr val="tx1"/>
-                </a:solidFill>
-                <a:latin typeface="+mj-lt"/>
-                <a:ea typeface="+mj-ea"/>
-                <a:cs typeface="+mj-cs"/>
-              </a:defRPr>
-            </a:lvl1pPr>
-          </a:lstStyle>
-          <a:p>
-            <a:r>
-              <a:rPr lang="en-US" sz="3600" cap="all" dirty="0">
-                <a:solidFill>
-                  <a:srgbClr val="186BAD"/>
-                </a:solidFill>
-                <a:latin typeface="Euphemia" panose="020B0503040102020104" pitchFamily="34" charset="0"/>
-              </a:rPr>
-              <a:t>The </a:t>
-            </a:r>
-            <a:r>
-              <a:rPr lang="en-US" sz="3600" cap="all" dirty="0" err="1">
-                <a:solidFill>
-                  <a:srgbClr val="186BAD"/>
-                </a:solidFill>
-                <a:latin typeface="Euphemia" panose="020B0503040102020104" pitchFamily="34" charset="0"/>
-              </a:rPr>
-              <a:t>apgar</a:t>
-            </a:r>
-            <a:r>
-              <a:rPr lang="en-US" sz="3600" cap="all" dirty="0">
-                <a:solidFill>
-                  <a:srgbClr val="186BAD"/>
-                </a:solidFill>
-                <a:latin typeface="Euphemia" panose="020B0503040102020104" pitchFamily="34" charset="0"/>
-              </a:rPr>
-              <a:t> score</a:t>
-            </a:r>
-          </a:p>
-        </p:txBody>
-      </p:sp>
-      <p:sp>
-        <p:nvSpPr>
-          <p:cNvPr id="3" name="TextBox 2"/>
-          <p:cNvSpPr txBox="1"/>
-          <p:nvPr/>
-        </p:nvSpPr>
-        <p:spPr>
-          <a:xfrm>
-            <a:off x="3575221" y="5367777"/>
-            <a:ext cx="4807598" cy="307777"/>
-          </a:xfrm>
-          <a:prstGeom prst="rect">
-            <a:avLst/>
-          </a:prstGeom>
-          <a:noFill/>
-        </p:spPr>
-        <p:txBody>
-          <a:bodyPr wrap="none" rtlCol="0">
+        </p:spPr>
+        <p:txBody>
+          <a:bodyPr wrap="none">
             <a:spAutoFit/>
           </a:bodyPr>
           <a:lstStyle/>
           <a:p>
             <a:r>
-              <a:rPr lang="en-US" sz="1400" dirty="0">
+              <a:rPr lang="en-US" dirty="0">
                 <a:solidFill>
-                  <a:srgbClr val="FF6D16"/>
+                  <a:schemeClr val="tx1">
+                    <a:lumMod val="50000"/>
+                    <a:lumOff val="50000"/>
+                  </a:schemeClr>
                 </a:solidFill>
               </a:rPr>
-              <a:t>Scale of 0 to 10, measured right after birth, and 5 minutes later.</a:t>
-            </a:r>
+              <a:t>http://www.progressoutofpoverty.org/about-ppi</a:t>
+            </a:r>
+          </a:p>
+        </p:txBody>
+      </p:sp>
+      <p:sp>
+        <p:nvSpPr>
+          <p:cNvPr id="7" name="Rectangle 6"/>
+          <p:cNvSpPr/>
+          <p:nvPr/>
+        </p:nvSpPr>
+        <p:spPr>
+          <a:xfrm>
+            <a:off x="1365849" y="1823881"/>
+            <a:ext cx="7847162" cy="3693319"/>
+          </a:xfrm>
+          <a:prstGeom prst="rect">
+            <a:avLst/>
+          </a:prstGeom>
+        </p:spPr>
+        <p:txBody>
+          <a:bodyPr wrap="square">
+            <a:spAutoFit/>
+          </a:bodyPr>
+          <a:lstStyle/>
+          <a:p>
+            <a:r>
+              <a:rPr lang="en-US" dirty="0" err="1">
+                <a:solidFill>
+                  <a:srgbClr val="00386F"/>
+                </a:solidFill>
+                <a:latin typeface="museo-sans"/>
+              </a:rPr>
+              <a:t>Grameen</a:t>
+            </a:r>
+            <a:r>
+              <a:rPr lang="en-US" dirty="0">
+                <a:solidFill>
+                  <a:srgbClr val="00386F"/>
+                </a:solidFill>
+                <a:latin typeface="museo-sans"/>
+              </a:rPr>
+              <a:t> Bank: How does the Progress out of Poverty Index (PPI) work?</a:t>
+            </a:r>
+          </a:p>
+          <a:p>
+            <a:endParaRPr lang="en-US" dirty="0">
+              <a:solidFill>
+                <a:srgbClr val="8B8B8B"/>
+              </a:solidFill>
+              <a:latin typeface="Arial" panose="020B0604020202020204" pitchFamily="34" charset="0"/>
+            </a:endParaRPr>
+          </a:p>
+          <a:p>
+            <a:pPr algn="just"/>
+            <a:r>
+              <a:rPr lang="en-US" dirty="0">
+                <a:latin typeface="+mj-lt"/>
+              </a:rPr>
+              <a:t>Unlike other poverty measurement methods, the PPI was designed with the budgets and operations of real organizations in mind; its simplicity means that it requires fewer resources to use.  </a:t>
+            </a:r>
+          </a:p>
+          <a:p>
+            <a:pPr algn="just"/>
+            <a:endParaRPr lang="en-US" dirty="0">
+              <a:latin typeface="+mj-lt"/>
+            </a:endParaRPr>
+          </a:p>
+          <a:p>
+            <a:pPr algn="just"/>
+            <a:r>
+              <a:rPr lang="en-US" dirty="0">
+                <a:latin typeface="+mj-lt"/>
+              </a:rPr>
+              <a:t>The PPI is a set of 10 easy-to-answer questions that a household member can answer in 5 to 10 minutes. The questions are simple – “What material is your roof made out of? How many of your children are in school?” </a:t>
+            </a:r>
+          </a:p>
+          <a:p>
+            <a:pPr algn="just"/>
+            <a:endParaRPr lang="en-US" dirty="0">
+              <a:latin typeface="+mj-lt"/>
+            </a:endParaRPr>
+          </a:p>
+          <a:p>
+            <a:pPr algn="just"/>
+            <a:r>
+              <a:rPr lang="en-US" dirty="0">
+                <a:latin typeface="+mj-lt"/>
+              </a:rPr>
+              <a:t>The scored answers provide the likelihood that the survey respondent’s household is living below the national poverty line and other internationally-recognized poverty lines. The PPI is country-specific. There are PPIs for 45 countries</a:t>
+            </a:r>
+            <a:endParaRPr lang="en-US" b="0" i="0" dirty="0">
+              <a:effectLst/>
+              <a:latin typeface="+mj-lt"/>
+            </a:endParaRPr>
           </a:p>
         </p:txBody>
       </p:sp>
     </p:spTree>
     <p:extLst>
       <p:ext uri="{BB962C8B-B14F-4D97-AF65-F5344CB8AC3E}">
-        <p14:creationId xmlns:p14="http://schemas.microsoft.com/office/powerpoint/2010/main" val="1629312896"/>
+        <p14:creationId xmlns:p14="http://schemas.microsoft.com/office/powerpoint/2010/main" val="1853637055"/>
       </p:ext>
     </p:extLst>
   </p:cSld>
@@ -13501,34 +13511,7 @@
       </p:grpSpPr>
       <p:sp>
         <p:nvSpPr>
-          <p:cNvPr id="2" name="Title 1"/>
-          <p:cNvSpPr>
-            <a:spLocks noGrp="1"/>
-          </p:cNvSpPr>
-          <p:nvPr>
-            <p:ph type="title"/>
-          </p:nvPr>
-        </p:nvSpPr>
-        <p:spPr/>
-        <p:txBody>
-          <a:bodyPr/>
-          <a:lstStyle/>
-          <a:p>
-            <a:r>
-              <a:rPr lang="en-US" cap="all" dirty="0">
-                <a:solidFill>
-                  <a:srgbClr val="186BAD"/>
-                </a:solidFill>
-                <a:latin typeface="Euphemia" panose="020B0503040102020104" pitchFamily="34" charset="0"/>
-              </a:rPr>
-              <a:t>Progress out of poverty index</a:t>
-            </a:r>
-          </a:p>
-        </p:txBody>
-      </p:sp>
-      <p:sp>
-        <p:nvSpPr>
-          <p:cNvPr id="3" name="Slide Number Placeholder 2"/>
+          <p:cNvPr id="2" name="Slide Number Placeholder 1"/>
           <p:cNvSpPr>
             <a:spLocks noGrp="1"/>
           </p:cNvSpPr>
@@ -13551,136 +13534,91 @@
       </p:sp>
       <p:sp>
         <p:nvSpPr>
-          <p:cNvPr id="6" name="Rectangle 5"/>
-          <p:cNvSpPr/>
-          <p:nvPr/>
-        </p:nvSpPr>
-        <p:spPr>
-          <a:xfrm>
-            <a:off x="1365849" y="5987018"/>
-            <a:ext cx="4756430" cy="369332"/>
+          <p:cNvPr id="4" name="Title 1"/>
+          <p:cNvSpPr txBox="1">
+            <a:spLocks/>
+          </p:cNvSpPr>
+          <p:nvPr/>
+        </p:nvSpPr>
+        <p:spPr>
+          <a:xfrm>
+            <a:off x="838200" y="365125"/>
+            <a:ext cx="10515600" cy="1325563"/>
           </a:xfrm>
           <a:prstGeom prst="rect">
             <a:avLst/>
           </a:prstGeom>
         </p:spPr>
         <p:txBody>
-          <a:bodyPr wrap="none">
-            <a:spAutoFit/>
-          </a:bodyPr>
-          <a:lstStyle/>
-          <a:p>
-            <a:r>
-              <a:rPr lang="en-US" dirty="0">
+          <a:bodyPr/>
+          <a:lstStyle>
+            <a:lvl1pPr algn="l" defTabSz="914400" rtl="0" eaLnBrk="1" latinLnBrk="0" hangingPunct="1">
+              <a:lnSpc>
+                <a:spcPct val="90000"/>
+              </a:lnSpc>
+              <a:spcBef>
+                <a:spcPct val="0"/>
+              </a:spcBef>
+              <a:buNone/>
+              <a:defRPr sz="4400" kern="1200">
                 <a:solidFill>
-                  <a:schemeClr val="tx1">
-                    <a:lumMod val="50000"/>
-                    <a:lumOff val="50000"/>
-                  </a:schemeClr>
+                  <a:schemeClr val="tx1"/>
                 </a:solidFill>
-              </a:rPr>
-              <a:t>http://www.progressoutofpoverty.org/about-ppi</a:t>
-            </a:r>
-          </a:p>
-        </p:txBody>
-      </p:sp>
-      <p:sp>
-        <p:nvSpPr>
-          <p:cNvPr id="7" name="Rectangle 6"/>
-          <p:cNvSpPr/>
-          <p:nvPr/>
-        </p:nvSpPr>
-        <p:spPr>
-          <a:xfrm>
-            <a:off x="1365849" y="1823881"/>
-            <a:ext cx="7847162" cy="3693319"/>
+                <a:latin typeface="+mj-lt"/>
+                <a:ea typeface="+mj-ea"/>
+                <a:cs typeface="+mj-cs"/>
+              </a:defRPr>
+            </a:lvl1pPr>
+          </a:lstStyle>
+          <a:p>
+            <a:r>
+              <a:rPr lang="en-US" cap="all" dirty="0">
+                <a:solidFill>
+                  <a:srgbClr val="186BAD"/>
+                </a:solidFill>
+                <a:latin typeface="Euphemia" panose="020B0503040102020104" pitchFamily="34" charset="0"/>
+              </a:rPr>
+              <a:t>Krishna: stages of progress</a:t>
+            </a:r>
+          </a:p>
+        </p:txBody>
+      </p:sp>
+      <p:pic>
+        <p:nvPicPr>
+          <p:cNvPr id="5" name="Picture 3"/>
+          <p:cNvPicPr>
+            <a:picLocks noChangeAspect="1" noChangeArrowheads="1"/>
+          </p:cNvPicPr>
+          <p:nvPr/>
+        </p:nvPicPr>
+        <p:blipFill>
+          <a:blip r:embed="rId2" cstate="print"/>
+          <a:srcRect/>
+          <a:stretch>
+            <a:fillRect/>
+          </a:stretch>
+        </p:blipFill>
+        <p:spPr bwMode="auto">
+          <a:xfrm>
+            <a:off x="3576152" y="2024742"/>
+            <a:ext cx="4295775" cy="3822072"/>
           </a:xfrm>
           <a:prstGeom prst="rect">
             <a:avLst/>
           </a:prstGeom>
-        </p:spPr>
-        <p:txBody>
-          <a:bodyPr wrap="square">
-            <a:spAutoFit/>
-          </a:bodyPr>
-          <a:lstStyle/>
-          <a:p>
-            <a:r>
-              <a:rPr lang="en-US" dirty="0" err="1">
-                <a:solidFill>
-                  <a:srgbClr val="00386F"/>
-                </a:solidFill>
-                <a:latin typeface="museo-sans"/>
-              </a:rPr>
-              <a:t>Grameen</a:t>
-            </a:r>
-            <a:r>
-              <a:rPr lang="en-US" dirty="0">
-                <a:solidFill>
-                  <a:srgbClr val="00386F"/>
-                </a:solidFill>
-                <a:latin typeface="museo-sans"/>
-              </a:rPr>
-              <a:t> Bank: How does the Progress out of Poverty Index (PPI) work?</a:t>
-            </a:r>
-          </a:p>
-          <a:p>
-            <a:endParaRPr lang="en-US" dirty="0">
-              <a:solidFill>
-                <a:srgbClr val="8B8B8B"/>
-              </a:solidFill>
-              <a:latin typeface="Arial" panose="020B0604020202020204" pitchFamily="34" charset="0"/>
-            </a:endParaRPr>
-          </a:p>
-          <a:p>
-            <a:pPr algn="just"/>
-            <a:r>
-              <a:rPr lang="en-US" dirty="0">
-                <a:latin typeface="+mj-lt"/>
-              </a:rPr>
-              <a:t>Unlike other poverty measurement methods, the PPI was designed with the budgets and operations of real organizations in mind; its simplicity means that it requires fewer resources to use.  </a:t>
-            </a:r>
-          </a:p>
-          <a:p>
-            <a:pPr algn="just"/>
-            <a:endParaRPr lang="en-US" dirty="0">
-              <a:latin typeface="+mj-lt"/>
-            </a:endParaRPr>
-          </a:p>
-          <a:p>
-            <a:pPr algn="just"/>
-            <a:r>
-              <a:rPr lang="en-US" dirty="0">
-                <a:latin typeface="+mj-lt"/>
-              </a:rPr>
-              <a:t>The PPI is a set of 10 easy-to-answer questions that a household member can answer in 5 to 10 minutes. The questions are simple – “What material is your roof made out of? How many of your children are in school?” </a:t>
-            </a:r>
-          </a:p>
-          <a:p>
-            <a:pPr algn="just"/>
-            <a:endParaRPr lang="en-US" dirty="0">
-              <a:latin typeface="+mj-lt"/>
-            </a:endParaRPr>
-          </a:p>
-          <a:p>
-            <a:pPr algn="just"/>
-            <a:r>
-              <a:rPr lang="en-US" dirty="0">
-                <a:latin typeface="+mj-lt"/>
-              </a:rPr>
-              <a:t>The scored answers provide the likelihood that the survey respondent’s household is living below the national poverty line and other internationally-recognized poverty lines. The PPI is country-specific. There are PPIs for 45 countries</a:t>
-            </a:r>
-            <a:endParaRPr lang="en-US" b="0" i="0" dirty="0">
-              <a:effectLst/>
-              <a:latin typeface="+mj-lt"/>
-            </a:endParaRPr>
-          </a:p>
-        </p:txBody>
-      </p:sp>
+          <a:noFill/>
+          <a:ln w="9525">
+            <a:noFill/>
+            <a:miter lim="800000"/>
+            <a:headEnd/>
+            <a:tailEnd/>
+          </a:ln>
+        </p:spPr>
+      </p:pic>
     </p:spTree>
     <p:extLst>
       <p:ext uri="{BB962C8B-B14F-4D97-AF65-F5344CB8AC3E}">
-        <p14:creationId xmlns:p14="http://schemas.microsoft.com/office/powerpoint/2010/main" val="1853637055"/>
+        <p14:creationId xmlns:p14="http://schemas.microsoft.com/office/powerpoint/2010/main" val="2271020496"/>
       </p:ext>
     </p:extLst>
   </p:cSld>
@@ -13730,6 +13668,47 @@
           </a:p>
         </p:txBody>
       </p:sp>
+      <p:pic>
+        <p:nvPicPr>
+          <p:cNvPr id="7170" name="Picture 2" descr="http://3.bp.blogspot.com/-_jwhqPs_vQI/U8yGP_KBKmI/AAAAAAAAAqA/imYPivcct3o/s1600/apgar.gif"/>
+          <p:cNvPicPr>
+            <a:picLocks noChangeAspect="1" noChangeArrowheads="1"/>
+          </p:cNvPicPr>
+          <p:nvPr/>
+        </p:nvPicPr>
+        <p:blipFill>
+          <a:blip r:embed="rId2">
+            <a:extLst>
+              <a:ext uri="{28A0092B-C50C-407E-A947-70E740481C1C}">
+                <a14:useLocalDpi xmlns:a14="http://schemas.microsoft.com/office/drawing/2010/main" val="0"/>
+              </a:ext>
+            </a:extLst>
+          </a:blip>
+          <a:srcRect/>
+          <a:stretch>
+            <a:fillRect/>
+          </a:stretch>
+        </p:blipFill>
+        <p:spPr bwMode="auto">
+          <a:xfrm>
+            <a:off x="2091466" y="1495295"/>
+            <a:ext cx="7539820" cy="3365029"/>
+          </a:xfrm>
+          <a:prstGeom prst="rect">
+            <a:avLst/>
+          </a:prstGeom>
+          <a:noFill/>
+          <a:extLst>
+            <a:ext uri="{909E8E84-426E-40DD-AFC4-6F175D3DCCD1}">
+              <a14:hiddenFill xmlns:a14="http://schemas.microsoft.com/office/drawing/2010/main">
+                <a:solidFill>
+                  <a:srgbClr val="FFFFFF"/>
+                </a:solidFill>
+              </a14:hiddenFill>
+            </a:ext>
+          </a:extLst>
+        </p:spPr>
+      </p:pic>
       <p:sp>
         <p:nvSpPr>
           <p:cNvPr id="4" name="Title 1"/>
@@ -13748,7 +13727,9 @@
           </a:prstGeom>
         </p:spPr>
         <p:txBody>
-          <a:bodyPr/>
+          <a:bodyPr>
+            <a:normAutofit/>
+          </a:bodyPr>
           <a:lstStyle>
             <a:lvl1pPr algn="l" defTabSz="914400" rtl="0" eaLnBrk="1" latinLnBrk="0" hangingPunct="1">
               <a:lnSpc>
@@ -13770,53 +13751,72 @@
           </a:lstStyle>
           <a:p>
             <a:r>
-              <a:rPr lang="en-US" cap="all" dirty="0">
+              <a:rPr lang="en-US" sz="3600" cap="all" dirty="0">
                 <a:solidFill>
                   <a:srgbClr val="186BAD"/>
                 </a:solidFill>
                 <a:latin typeface="Euphemia" panose="020B0503040102020104" pitchFamily="34" charset="0"/>
               </a:rPr>
-              <a:t>Krishna: stages of progress</a:t>
-            </a:r>
-          </a:p>
-        </p:txBody>
-      </p:sp>
-      <p:pic>
-        <p:nvPicPr>
-          <p:cNvPr id="5" name="Picture 3"/>
-          <p:cNvPicPr>
-            <a:picLocks noChangeAspect="1" noChangeArrowheads="1"/>
-          </p:cNvPicPr>
-          <p:nvPr/>
-        </p:nvPicPr>
-        <p:blipFill>
-          <a:blip r:embed="rId2" cstate="print"/>
-          <a:srcRect/>
-          <a:stretch>
-            <a:fillRect/>
-          </a:stretch>
-        </p:blipFill>
-        <p:spPr bwMode="auto">
-          <a:xfrm>
-            <a:off x="3576152" y="2024742"/>
-            <a:ext cx="4295775" cy="3822072"/>
+              <a:t>The </a:t>
+            </a:r>
+            <a:r>
+              <a:rPr lang="en-US" sz="3600" cap="all" dirty="0" err="1">
+                <a:solidFill>
+                  <a:srgbClr val="186BAD"/>
+                </a:solidFill>
+                <a:latin typeface="Euphemia" panose="020B0503040102020104" pitchFamily="34" charset="0"/>
+              </a:rPr>
+              <a:t>apgar</a:t>
+            </a:r>
+            <a:r>
+              <a:rPr lang="en-US" sz="3600" cap="all" dirty="0">
+                <a:solidFill>
+                  <a:srgbClr val="186BAD"/>
+                </a:solidFill>
+                <a:latin typeface="Euphemia" panose="020B0503040102020104" pitchFamily="34" charset="0"/>
+              </a:rPr>
+              <a:t> score</a:t>
+            </a:r>
+          </a:p>
+        </p:txBody>
+      </p:sp>
+      <p:sp>
+        <p:nvSpPr>
+          <p:cNvPr id="3" name="TextBox 2"/>
+          <p:cNvSpPr txBox="1"/>
+          <p:nvPr/>
+        </p:nvSpPr>
+        <p:spPr>
+          <a:xfrm>
+            <a:off x="3575221" y="5367777"/>
+            <a:ext cx="4807598" cy="307777"/>
           </a:xfrm>
           <a:prstGeom prst="rect">
             <a:avLst/>
           </a:prstGeom>
           <a:noFill/>
-          <a:ln w="9525">
-            <a:noFill/>
-            <a:miter lim="800000"/>
-            <a:headEnd/>
-            <a:tailEnd/>
-          </a:ln>
-        </p:spPr>
-      </p:pic>
+        </p:spPr>
+        <p:txBody>
+          <a:bodyPr wrap="none" rtlCol="0">
+            <a:spAutoFit/>
+          </a:bodyPr>
+          <a:lstStyle/>
+          <a:p>
+            <a:r>
+              <a:rPr lang="en-US" sz="1400" dirty="0">
+                <a:solidFill>
+                  <a:srgbClr val="FF6D16"/>
+                </a:solidFill>
+              </a:rPr>
+              <a:t>Scale of 0 to 10, measured right after birth, and 5 minutes later.</a:t>
+            </a:r>
+          </a:p>
+        </p:txBody>
+      </p:sp>
     </p:spTree>
     <p:extLst>
       <p:ext uri="{BB962C8B-B14F-4D97-AF65-F5344CB8AC3E}">
-        <p14:creationId xmlns:p14="http://schemas.microsoft.com/office/powerpoint/2010/main" val="2271020496"/>
+        <p14:creationId xmlns:p14="http://schemas.microsoft.com/office/powerpoint/2010/main" val="1629312896"/>
       </p:ext>
     </p:extLst>
   </p:cSld>
@@ -14562,6 +14562,71 @@
           </a:p>
         </p:txBody>
       </p:sp>
+      <p:sp>
+        <p:nvSpPr>
+          <p:cNvPr id="5" name="TextBox 4">
+            <a:extLst>
+              <a:ext uri="{FF2B5EF4-FFF2-40B4-BE49-F238E27FC236}">
+                <a16:creationId xmlns:a16="http://schemas.microsoft.com/office/drawing/2014/main" id="{C9F134F9-656F-4F55-ABD3-3F3A592EE4B2}"/>
+              </a:ext>
+            </a:extLst>
+          </p:cNvPr>
+          <p:cNvSpPr txBox="1"/>
+          <p:nvPr/>
+        </p:nvSpPr>
+        <p:spPr>
+          <a:xfrm>
+            <a:off x="5384527" y="4694159"/>
+            <a:ext cx="1725152" cy="707886"/>
+          </a:xfrm>
+          <a:prstGeom prst="rect">
+            <a:avLst/>
+          </a:prstGeom>
+          <a:noFill/>
+        </p:spPr>
+        <p:txBody>
+          <a:bodyPr wrap="none" rtlCol="0">
+            <a:spAutoFit/>
+          </a:bodyPr>
+          <a:lstStyle/>
+          <a:p>
+            <a:pPr marL="0" marR="0" lvl="0" indent="0" algn="l" defTabSz="914400" rtl="0" eaLnBrk="1" fontAlgn="auto" latinLnBrk="0" hangingPunct="1">
+              <a:lnSpc>
+                <a:spcPct val="100000"/>
+              </a:lnSpc>
+              <a:spcBef>
+                <a:spcPts val="0"/>
+              </a:spcBef>
+              <a:spcAft>
+                <a:spcPts val="0"/>
+              </a:spcAft>
+              <a:buClrTx/>
+              <a:buSzTx/>
+              <a:buFontTx/>
+              <a:buNone/>
+              <a:tabLst/>
+              <a:defRPr/>
+            </a:pPr>
+            <a:r>
+              <a:rPr kumimoji="0" lang="en-US" sz="4000" b="1" i="1" u="none" strike="noStrike" kern="1200" cap="none" spc="0" normalizeH="0" baseline="0" noProof="0" dirty="0">
+                <a:ln>
+                  <a:noFill/>
+                </a:ln>
+                <a:solidFill>
+                  <a:schemeClr val="bg1"/>
+                </a:solidFill>
+                <a:effectLst/>
+                <a:uLnTx/>
+                <a:uFillTx/>
+                <a:latin typeface="Book Antiqua" panose="02040602050305030304" pitchFamily="18" charset="0"/>
+                <a:ea typeface="+mn-ea"/>
+                <a:cs typeface="CordiaUPC" panose="020B0304020202020204" pitchFamily="34" charset="-34"/>
+              </a:rPr>
+              <a:t>(aside)</a:t>
+            </a:r>
+          </a:p>
+        </p:txBody>
+      </p:sp>
     </p:spTree>
     <p:extLst>
       <p:ext uri="{BB962C8B-B14F-4D97-AF65-F5344CB8AC3E}">
@@ -14882,7 +14947,7 @@
         <p:spPr>
           <a:xfrm>
             <a:off x="5475514" y="516421"/>
-            <a:ext cx="6096000" cy="5632311"/>
+            <a:ext cx="6096000" cy="5724644"/>
           </a:xfrm>
           <a:prstGeom prst="rect">
             <a:avLst/>
@@ -14895,11 +14960,14 @@
           <a:lstStyle/>
           <a:p>
             <a:r>
-              <a:rPr lang="en-US" dirty="0">
+              <a:rPr lang="en-US" sz="2400" dirty="0">
                 <a:solidFill>
-                  <a:srgbClr val="141823"/>
+                  <a:schemeClr val="tx1">
+                    <a:lumMod val="65000"/>
+                    <a:lumOff val="35000"/>
+                  </a:schemeClr>
                 </a:solidFill>
-                <a:latin typeface="helvetica" panose="020B0604020202020204" pitchFamily="34" charset="0"/>
+                <a:latin typeface="Euphemia" panose="020B0503040102020104" pitchFamily="34" charset="0"/>
               </a:rPr>
               <a:t>HUMANS OF NEW YORK</a:t>
             </a:r>
@@ -15037,126 +15105,140 @@
           </a:p>
         </p:txBody>
       </p:sp>
-      <p:sp>
-        <p:nvSpPr>
-          <p:cNvPr id="3" name="Rectangle 2"/>
-          <p:cNvSpPr/>
-          <p:nvPr/>
-        </p:nvSpPr>
-        <p:spPr>
-          <a:xfrm>
-            <a:off x="620485" y="1505712"/>
-            <a:ext cx="10733315" cy="4524315"/>
+      <p:pic>
+        <p:nvPicPr>
+          <p:cNvPr id="9218" name="Picture 2" descr="http://www.uft.org/files/imagecache/article_1_548x254/photo/value-added-formula.png"/>
+          <p:cNvPicPr>
+            <a:picLocks noChangeAspect="1" noChangeArrowheads="1"/>
+          </p:cNvPicPr>
+          <p:nvPr/>
+        </p:nvPicPr>
+        <p:blipFill>
+          <a:blip r:embed="rId2">
+            <a:extLst>
+              <a:ext uri="{28A0092B-C50C-407E-A947-70E740481C1C}">
+                <a14:useLocalDpi xmlns:a14="http://schemas.microsoft.com/office/drawing/2010/main" val="0"/>
+              </a:ext>
+            </a:extLst>
+          </a:blip>
+          <a:srcRect/>
+          <a:stretch>
+            <a:fillRect/>
+          </a:stretch>
+        </p:blipFill>
+        <p:spPr bwMode="auto">
+          <a:xfrm>
+            <a:off x="732911" y="3858854"/>
+            <a:ext cx="6335842" cy="2936687"/>
           </a:xfrm>
           <a:prstGeom prst="rect">
             <a:avLst/>
           </a:prstGeom>
-        </p:spPr>
-        <p:txBody>
-          <a:bodyPr wrap="square">
+          <a:noFill/>
+          <a:extLst>
+            <a:ext uri="{909E8E84-426E-40DD-AFC4-6F175D3DCCD1}">
+              <a14:hiddenFill xmlns:a14="http://schemas.microsoft.com/office/drawing/2010/main">
+                <a:solidFill>
+                  <a:srgbClr val="FFFFFF"/>
+                </a:solidFill>
+              </a14:hiddenFill>
+            </a:ext>
+          </a:extLst>
+        </p:spPr>
+      </p:pic>
+      <p:pic>
+        <p:nvPicPr>
+          <p:cNvPr id="9220" name="Picture 4" descr="http://media.cleveland.com/nationworld_impact/photo/20100901-teachers-valuejpg-b80289f98c9b2a02.jpg"/>
+          <p:cNvPicPr>
+            <a:picLocks noChangeAspect="1" noChangeArrowheads="1"/>
+          </p:cNvPicPr>
+          <p:nvPr/>
+        </p:nvPicPr>
+        <p:blipFill>
+          <a:blip r:embed="rId3">
+            <a:extLst>
+              <a:ext uri="{28A0092B-C50C-407E-A947-70E740481C1C}">
+                <a14:useLocalDpi xmlns:a14="http://schemas.microsoft.com/office/drawing/2010/main" val="0"/>
+              </a:ext>
+            </a:extLst>
+          </a:blip>
+          <a:srcRect/>
+          <a:stretch>
+            <a:fillRect/>
+          </a:stretch>
+        </p:blipFill>
+        <p:spPr bwMode="auto">
+          <a:xfrm>
+            <a:off x="340497" y="92977"/>
+            <a:ext cx="7315200" cy="3467653"/>
+          </a:xfrm>
+          <a:prstGeom prst="rect">
+            <a:avLst/>
+          </a:prstGeom>
+          <a:noFill/>
+          <a:extLst>
+            <a:ext uri="{909E8E84-426E-40DD-AFC4-6F175D3DCCD1}">
+              <a14:hiddenFill xmlns:a14="http://schemas.microsoft.com/office/drawing/2010/main">
+                <a:solidFill>
+                  <a:srgbClr val="FFFFFF"/>
+                </a:solidFill>
+              </a14:hiddenFill>
+            </a:ext>
+          </a:extLst>
+        </p:spPr>
+      </p:pic>
+      <p:sp>
+        <p:nvSpPr>
+          <p:cNvPr id="3" name="TextBox 2">
+            <a:extLst>
+              <a:ext uri="{FF2B5EF4-FFF2-40B4-BE49-F238E27FC236}">
+                <a16:creationId xmlns:a16="http://schemas.microsoft.com/office/drawing/2014/main" id="{004D7458-436A-4FFC-9C24-1B8B19EC3813}"/>
+              </a:ext>
+            </a:extLst>
+          </p:cNvPr>
+          <p:cNvSpPr txBox="1"/>
+          <p:nvPr/>
+        </p:nvSpPr>
+        <p:spPr>
+          <a:xfrm>
+            <a:off x="8309490" y="1054100"/>
+            <a:ext cx="3149599" cy="3046988"/>
+          </a:xfrm>
+          <a:prstGeom prst="rect">
+            <a:avLst/>
+          </a:prstGeom>
+          <a:noFill/>
+        </p:spPr>
+        <p:txBody>
+          <a:bodyPr wrap="square" rtlCol="0">
             <a:spAutoFit/>
           </a:bodyPr>
           <a:lstStyle/>
           <a:p>
-            <a:pPr algn="just"/>
-            <a:r>
-              <a:rPr lang="en-US" sz="2400" dirty="0">
-                <a:latin typeface="+mj-lt"/>
-              </a:rPr>
-              <a:t>The focusing effects of outcome benchmarks, the pressures of competition, the prospects of incurring a reward or penalty, the awareness that one is being closely monitored: these features of performance management do more than just make agents accountable; they reshape agency itself. </a:t>
-            </a:r>
-          </a:p>
-          <a:p>
-            <a:pPr algn="just"/>
-            <a:endParaRPr lang="en-US" sz="2400" b="1" dirty="0">
-              <a:solidFill>
-                <a:srgbClr val="40A3CB"/>
-              </a:solidFill>
-              <a:latin typeface="+mj-lt"/>
-            </a:endParaRPr>
-          </a:p>
-          <a:p>
-            <a:pPr algn="just"/>
-            <a:r>
-              <a:rPr lang="en-US" sz="2400" b="1" dirty="0">
+            <a:pPr algn="ctr"/>
+            <a:r>
+              <a:rPr lang="en-US" sz="3200" dirty="0">
                 <a:solidFill>
-                  <a:srgbClr val="40A3CB"/>
+                  <a:srgbClr val="186BAD"/>
                 </a:solidFill>
-                <a:latin typeface="+mj-lt"/>
-              </a:rPr>
-              <a:t>Indeed, performance management is disciplinary, not just in the sense that it involves the allocation of penalties, but also in the deeper sense suggested by Michel Foucault: the use of organized techniques to produce self-regulating subjects </a:t>
-            </a:r>
-            <a:r>
-              <a:rPr lang="en-US" sz="2400" dirty="0">
-                <a:latin typeface="+mj-lt"/>
-              </a:rPr>
-              <a:t>(i.e., service providers) who, under conditions of apparent autonomy, conduct themselves in ways that are consonant with prevailing institutions, values, and interests.</a:t>
-            </a:r>
-          </a:p>
-          <a:p>
-            <a:pPr algn="just"/>
-            <a:endParaRPr lang="en-US" sz="2400" dirty="0">
-              <a:latin typeface="+mj-lt"/>
-            </a:endParaRPr>
-          </a:p>
-          <a:p>
-            <a:pPr algn="just"/>
-            <a:r>
-              <a:rPr lang="en-US" sz="2400" dirty="0">
-                <a:latin typeface="+mj-lt"/>
-              </a:rPr>
-              <a:t>~The Organization of Discipline, p2</a:t>
-            </a:r>
-          </a:p>
-        </p:txBody>
-      </p:sp>
-      <p:sp>
-        <p:nvSpPr>
-          <p:cNvPr id="4" name="Title 1"/>
-          <p:cNvSpPr txBox="1">
-            <a:spLocks/>
-          </p:cNvSpPr>
-          <p:nvPr/>
-        </p:nvSpPr>
-        <p:spPr>
-          <a:xfrm>
-            <a:off x="620485" y="358775"/>
-            <a:ext cx="10515600" cy="1325563"/>
-          </a:xfrm>
-          <a:prstGeom prst="rect">
-            <a:avLst/>
-          </a:prstGeom>
-        </p:spPr>
-        <p:txBody>
-          <a:bodyPr/>
-          <a:lstStyle>
-            <a:lvl1pPr algn="l" defTabSz="914400" rtl="0" eaLnBrk="1" latinLnBrk="0" hangingPunct="1">
-              <a:lnSpc>
-                <a:spcPct val="90000"/>
-              </a:lnSpc>
-              <a:spcBef>
-                <a:spcPct val="0"/>
-              </a:spcBef>
-              <a:buNone/>
-              <a:defRPr sz="4400" kern="1200">
+              </a:rPr>
+              <a:t>See </a:t>
+            </a:r>
+            <a:r>
+              <a:rPr lang="en-US" sz="3200" i="1" dirty="0">
                 <a:solidFill>
-                  <a:schemeClr val="tx1"/>
+                  <a:srgbClr val="186BAD"/>
                 </a:solidFill>
-                <a:latin typeface="+mj-lt"/>
-                <a:ea typeface="+mj-ea"/>
-                <a:cs typeface="+mj-cs"/>
-              </a:defRPr>
-            </a:lvl1pPr>
-          </a:lstStyle>
-          <a:p>
-            <a:r>
-              <a:rPr lang="en-US" cap="all" dirty="0">
+              </a:rPr>
+              <a:t>Weapons of Math Destruction</a:t>
+            </a:r>
+            <a:r>
+              <a:rPr lang="en-US" sz="3200" dirty="0">
                 <a:solidFill>
-                  <a:srgbClr val="595959"/>
+                  <a:srgbClr val="186BAD"/>
                 </a:solidFill>
-                <a:latin typeface="Euphemia" panose="020B0503040102020104" pitchFamily="34" charset="0"/>
-              </a:rPr>
-              <a:t>Performance or punishment?</a:t>
+              </a:rPr>
+              <a:t> for examples of how metrics have been weaponized in public agencies</a:t>
             </a:r>
           </a:p>
         </p:txBody>
@@ -15164,7 +15246,7 @@
     </p:spTree>
     <p:extLst>
       <p:ext uri="{BB962C8B-B14F-4D97-AF65-F5344CB8AC3E}">
-        <p14:creationId xmlns:p14="http://schemas.microsoft.com/office/powerpoint/2010/main" val="1728370079"/>
+        <p14:creationId xmlns:p14="http://schemas.microsoft.com/office/powerpoint/2010/main" val="3551584638"/>
       </p:ext>
     </p:extLst>
   </p:cSld>
@@ -15193,140 +15275,69 @@
       </p:grpSpPr>
       <p:sp>
         <p:nvSpPr>
-          <p:cNvPr id="2" name="Slide Number Placeholder 1"/>
+          <p:cNvPr id="2" name="Title 1"/>
           <p:cNvSpPr>
             <a:spLocks noGrp="1"/>
           </p:cNvSpPr>
           <p:nvPr>
-            <p:ph type="sldNum" sz="quarter" idx="12"/>
+            <p:ph type="title"/>
           </p:nvPr>
         </p:nvSpPr>
         <p:spPr/>
         <p:txBody>
-          <a:bodyPr/>
-          <a:lstStyle/>
-          <a:p>
-            <a:fld id="{A86B8E0B-9E4C-43D6-8E50-A9ED84E3CB71}" type="slidenum">
-              <a:rPr lang="en-US" smtClean="0"/>
-              <a:t>44</a:t>
-            </a:fld>
-            <a:endParaRPr lang="en-US"/>
-          </a:p>
-        </p:txBody>
-      </p:sp>
-      <p:sp>
-        <p:nvSpPr>
-          <p:cNvPr id="3" name="Rectangle 2"/>
-          <p:cNvSpPr/>
-          <p:nvPr/>
-        </p:nvSpPr>
-        <p:spPr>
-          <a:xfrm>
-            <a:off x="1306285" y="1473962"/>
-            <a:ext cx="8220270" cy="3877985"/>
-          </a:xfrm>
-          <a:prstGeom prst="rect">
-            <a:avLst/>
-          </a:prstGeom>
-        </p:spPr>
-        <p:txBody>
-          <a:bodyPr wrap="square">
-            <a:spAutoFit/>
+          <a:bodyPr>
+            <a:normAutofit/>
           </a:bodyPr>
           <a:lstStyle/>
           <a:p>
-            <a:pPr algn="just"/>
-            <a:r>
-              <a:rPr lang="en-US" sz="1600" dirty="0">
-                <a:latin typeface="+mj-lt"/>
-              </a:rPr>
-              <a:t>The beginning of the twenty first century finds us in an era of governance by performance management and nowhere is this more the case than in welfare programs for the poor. By establishing</a:t>
-            </a:r>
-            <a:r>
-              <a:rPr lang="en-US" dirty="0">
-                <a:latin typeface="+mj-lt"/>
-              </a:rPr>
-              <a:t> </a:t>
-            </a:r>
-            <a:r>
-              <a:rPr lang="en-US" sz="1600" dirty="0">
-                <a:latin typeface="+mj-lt"/>
-              </a:rPr>
-              <a:t>outcome benchmarks focused on work participation and placement, federal and state officials define the goals of service provision and the terms of its evaluation. Choice sets for local actors consist primarily of alternative means toward mandated ends. With these benchmarks in place, sophisticated information systems are used to monitor frontline activities and measure priority outcomes. And based on the outcomes of performance competition, financial rewards and penalties are distributed to incent preferred behaviors and bring lagging service providers to heel. In welfare-to-work programs, performance systems now serve as the core technology for monitoring contract compliance; they guide decisions about when to renew or terminate contracts with local providers; they provide state officials with a yardstick and a prod for the achievement of program goals; and they constitute the major way in which state TANF programs are evaluated by federal officials.  </a:t>
-            </a:r>
-          </a:p>
-          <a:p>
-            <a:pPr algn="just"/>
-            <a:endParaRPr lang="en-US" sz="1600" dirty="0">
-              <a:latin typeface="+mj-lt"/>
-            </a:endParaRPr>
-          </a:p>
-          <a:p>
-            <a:pPr algn="just"/>
-            <a:r>
-              <a:rPr lang="en-US" sz="1600" dirty="0">
-                <a:latin typeface="+mj-lt"/>
-              </a:rPr>
-              <a:t>~The Organization of Discipline, p2</a:t>
-            </a:r>
-          </a:p>
-        </p:txBody>
-      </p:sp>
-      <p:sp>
-        <p:nvSpPr>
-          <p:cNvPr id="4" name="Title 1"/>
-          <p:cNvSpPr txBox="1">
-            <a:spLocks/>
-          </p:cNvSpPr>
-          <p:nvPr/>
-        </p:nvSpPr>
-        <p:spPr>
-          <a:xfrm>
-            <a:off x="838200" y="365125"/>
-            <a:ext cx="10515600" cy="1325563"/>
-          </a:xfrm>
-          <a:prstGeom prst="rect">
-            <a:avLst/>
-          </a:prstGeom>
-        </p:spPr>
-        <p:txBody>
-          <a:bodyPr/>
-          <a:lstStyle>
-            <a:lvl1pPr algn="l" defTabSz="914400" rtl="0" eaLnBrk="1" latinLnBrk="0" hangingPunct="1">
-              <a:lnSpc>
-                <a:spcPct val="90000"/>
-              </a:lnSpc>
-              <a:spcBef>
-                <a:spcPct val="0"/>
-              </a:spcBef>
-              <a:buNone/>
-              <a:defRPr sz="4400" kern="1200">
+            <a:r>
+              <a:rPr lang="en-US" sz="2800" cap="all" dirty="0">
                 <a:solidFill>
-                  <a:schemeClr val="tx1"/>
-                </a:solidFill>
-                <a:latin typeface="+mj-lt"/>
-                <a:ea typeface="+mj-ea"/>
-                <a:cs typeface="+mj-cs"/>
-              </a:defRPr>
-            </a:lvl1pPr>
-          </a:lstStyle>
-          <a:p>
-            <a:r>
-              <a:rPr lang="en-US" cap="all" dirty="0">
-                <a:solidFill>
-                  <a:srgbClr val="FF6D16"/>
+                  <a:srgbClr val="595959"/>
                 </a:solidFill>
                 <a:latin typeface="Euphemia" panose="020B0503040102020104" pitchFamily="34" charset="0"/>
               </a:rPr>
-              <a:t>Performance or punishment?</a:t>
-            </a:r>
-          </a:p>
-        </p:txBody>
-      </p:sp>
+              <a:t>Comparing teacher “effects”</a:t>
+            </a:r>
+          </a:p>
+        </p:txBody>
+      </p:sp>
+      <p:pic>
+        <p:nvPicPr>
+          <p:cNvPr id="82946" name="Picture 2"/>
+          <p:cNvPicPr>
+            <a:picLocks noChangeAspect="1" noChangeArrowheads="1"/>
+          </p:cNvPicPr>
+          <p:nvPr/>
+        </p:nvPicPr>
+        <p:blipFill>
+          <a:blip r:embed="rId2" cstate="print"/>
+          <a:srcRect/>
+          <a:stretch>
+            <a:fillRect/>
+          </a:stretch>
+        </p:blipFill>
+        <p:spPr bwMode="auto">
+          <a:xfrm>
+            <a:off x="2514600" y="1828800"/>
+            <a:ext cx="7181850" cy="4629150"/>
+          </a:xfrm>
+          <a:prstGeom prst="rect">
+            <a:avLst/>
+          </a:prstGeom>
+          <a:noFill/>
+          <a:ln w="9525">
+            <a:noFill/>
+            <a:miter lim="800000"/>
+            <a:headEnd/>
+            <a:tailEnd/>
+          </a:ln>
+        </p:spPr>
+      </p:pic>
     </p:spTree>
     <p:extLst>
       <p:ext uri="{BB962C8B-B14F-4D97-AF65-F5344CB8AC3E}">
-        <p14:creationId xmlns:p14="http://schemas.microsoft.com/office/powerpoint/2010/main" val="1058516131"/>
+        <p14:creationId xmlns:p14="http://schemas.microsoft.com/office/powerpoint/2010/main" val="1576404734"/>
       </p:ext>
     </p:extLst>
   </p:cSld>
@@ -15384,8 +15395,8 @@
         </p:nvSpPr>
         <p:spPr>
           <a:xfrm>
-            <a:off x="1306285" y="1473962"/>
-            <a:ext cx="8220270" cy="2062103"/>
+            <a:off x="620485" y="1505712"/>
+            <a:ext cx="10733315" cy="3170099"/>
           </a:xfrm>
           <a:prstGeom prst="rect">
             <a:avLst/>
@@ -15399,22 +15410,49 @@
           <a:p>
             <a:pPr algn="just"/>
             <a:r>
-              <a:rPr lang="en-US" sz="1600" dirty="0">
+              <a:rPr lang="en-US" sz="2000" dirty="0">
                 <a:latin typeface="+mj-lt"/>
               </a:rPr>
-              <a:t>Proponents rarely conceptualize performance management as a system of discipline. In celebratory rhetoric, it is presented as a way to harness the dynamic energies of markets, improve the evidentiary basis for policy choices, and reconcile policy experimentation with public accountability. The implicit promise is that local actors will be “freed” to go their own ways and then, later, will be judged by their performance and given the information they need to improve. The reality, however, entails a more complex interplay of structure and agency.</a:t>
+              <a:t>The focusing effects of outcome benchmarks, the pressures of competition, the prospects of incurring a reward or penalty, the awareness that one is being closely monitored: these features of performance management do more than just make agents accountable; they reshape agency itself. </a:t>
             </a:r>
           </a:p>
           <a:p>
             <a:pPr algn="just"/>
-            <a:endParaRPr lang="en-US" sz="1600" dirty="0">
+            <a:endParaRPr lang="en-US" sz="2000" b="1" dirty="0">
+              <a:solidFill>
+                <a:srgbClr val="40A3CB"/>
+              </a:solidFill>
               <a:latin typeface="+mj-lt"/>
             </a:endParaRPr>
           </a:p>
           <a:p>
             <a:pPr algn="just"/>
             <a:r>
-              <a:rPr lang="en-US" sz="1600" dirty="0">
+              <a:rPr lang="en-US" sz="2000" b="1" dirty="0">
+                <a:solidFill>
+                  <a:srgbClr val="186BAD"/>
+                </a:solidFill>
+                <a:latin typeface="+mj-lt"/>
+              </a:rPr>
+              <a:t>Indeed, performance management is disciplinary, not just in the sense that it involves the allocation of penalties, but also in the deeper sense suggested by Michel Foucault: the use of organized techniques to produce self-regulating subjects </a:t>
+            </a:r>
+            <a:r>
+              <a:rPr lang="en-US" sz="2000" dirty="0">
+                <a:latin typeface="+mj-lt"/>
+              </a:rPr>
+              <a:t>(i.e., service providers) who, under conditions of apparent autonomy, conduct themselves in ways that are consonant with prevailing institutions, values, and interests.</a:t>
+            </a:r>
+          </a:p>
+          <a:p>
+            <a:pPr algn="just"/>
+            <a:endParaRPr lang="en-US" sz="2000" dirty="0">
+              <a:latin typeface="+mj-lt"/>
+            </a:endParaRPr>
+          </a:p>
+          <a:p>
+            <a:pPr algn="just"/>
+            <a:r>
+              <a:rPr lang="en-US" sz="2000" dirty="0">
                 <a:latin typeface="+mj-lt"/>
               </a:rPr>
               <a:t>~The Organization of Discipline, p2</a:t>
@@ -15432,7 +15470,7 @@
         </p:nvSpPr>
         <p:spPr>
           <a:xfrm>
-            <a:off x="838200" y="365125"/>
+            <a:off x="620485" y="358775"/>
             <a:ext cx="10515600" cy="1325563"/>
           </a:xfrm>
           <a:prstGeom prst="rect">
@@ -15464,7 +15502,7 @@
             <a:r>
               <a:rPr lang="en-US" cap="all" dirty="0">
                 <a:solidFill>
-                  <a:srgbClr val="FF6D16"/>
+                  <a:srgbClr val="595959"/>
                 </a:solidFill>
                 <a:latin typeface="Euphemia" panose="020B0503040102020104" pitchFamily="34" charset="0"/>
               </a:rPr>
@@ -15476,7 +15514,7 @@
     </p:spTree>
     <p:extLst>
       <p:ext uri="{BB962C8B-B14F-4D97-AF65-F5344CB8AC3E}">
-        <p14:creationId xmlns:p14="http://schemas.microsoft.com/office/powerpoint/2010/main" val="588128651"/>
+        <p14:creationId xmlns:p14="http://schemas.microsoft.com/office/powerpoint/2010/main" val="1728370079"/>
       </p:ext>
     </p:extLst>
   </p:cSld>
@@ -15526,140 +15564,111 @@
           </a:p>
         </p:txBody>
       </p:sp>
-      <p:pic>
-        <p:nvPicPr>
-          <p:cNvPr id="9218" name="Picture 2" descr="http://www.uft.org/files/imagecache/article_1_548x254/photo/value-added-formula.png"/>
-          <p:cNvPicPr>
-            <a:picLocks noChangeAspect="1" noChangeArrowheads="1"/>
-          </p:cNvPicPr>
-          <p:nvPr/>
-        </p:nvPicPr>
-        <p:blipFill>
-          <a:blip r:embed="rId2">
-            <a:extLst>
-              <a:ext uri="{28A0092B-C50C-407E-A947-70E740481C1C}">
-                <a14:useLocalDpi xmlns:a14="http://schemas.microsoft.com/office/drawing/2010/main" val="0"/>
-              </a:ext>
-            </a:extLst>
-          </a:blip>
-          <a:srcRect/>
-          <a:stretch>
-            <a:fillRect/>
-          </a:stretch>
-        </p:blipFill>
-        <p:spPr bwMode="auto">
-          <a:xfrm>
-            <a:off x="732911" y="3858854"/>
-            <a:ext cx="6335842" cy="2936687"/>
+      <p:sp>
+        <p:nvSpPr>
+          <p:cNvPr id="3" name="Rectangle 2"/>
+          <p:cNvSpPr/>
+          <p:nvPr/>
+        </p:nvSpPr>
+        <p:spPr>
+          <a:xfrm>
+            <a:off x="1306285" y="1473962"/>
+            <a:ext cx="8220270" cy="3877985"/>
           </a:xfrm>
           <a:prstGeom prst="rect">
             <a:avLst/>
           </a:prstGeom>
-          <a:noFill/>
-          <a:extLst>
-            <a:ext uri="{909E8E84-426E-40DD-AFC4-6F175D3DCCD1}">
-              <a14:hiddenFill xmlns:a14="http://schemas.microsoft.com/office/drawing/2010/main">
-                <a:solidFill>
-                  <a:srgbClr val="FFFFFF"/>
-                </a:solidFill>
-              </a14:hiddenFill>
-            </a:ext>
-          </a:extLst>
-        </p:spPr>
-      </p:pic>
-      <p:pic>
-        <p:nvPicPr>
-          <p:cNvPr id="9220" name="Picture 4" descr="http://media.cleveland.com/nationworld_impact/photo/20100901-teachers-valuejpg-b80289f98c9b2a02.jpg"/>
-          <p:cNvPicPr>
-            <a:picLocks noChangeAspect="1" noChangeArrowheads="1"/>
-          </p:cNvPicPr>
-          <p:nvPr/>
-        </p:nvPicPr>
-        <p:blipFill>
-          <a:blip r:embed="rId3">
-            <a:extLst>
-              <a:ext uri="{28A0092B-C50C-407E-A947-70E740481C1C}">
-                <a14:useLocalDpi xmlns:a14="http://schemas.microsoft.com/office/drawing/2010/main" val="0"/>
-              </a:ext>
-            </a:extLst>
-          </a:blip>
-          <a:srcRect/>
-          <a:stretch>
-            <a:fillRect/>
-          </a:stretch>
-        </p:blipFill>
-        <p:spPr bwMode="auto">
-          <a:xfrm>
-            <a:off x="340497" y="92977"/>
-            <a:ext cx="7315200" cy="3467653"/>
-          </a:xfrm>
-          <a:prstGeom prst="rect">
-            <a:avLst/>
-          </a:prstGeom>
-          <a:noFill/>
-          <a:extLst>
-            <a:ext uri="{909E8E84-426E-40DD-AFC4-6F175D3DCCD1}">
-              <a14:hiddenFill xmlns:a14="http://schemas.microsoft.com/office/drawing/2010/main">
-                <a:solidFill>
-                  <a:srgbClr val="FFFFFF"/>
-                </a:solidFill>
-              </a14:hiddenFill>
-            </a:ext>
-          </a:extLst>
-        </p:spPr>
-      </p:pic>
-      <p:sp>
-        <p:nvSpPr>
-          <p:cNvPr id="3" name="TextBox 2">
-            <a:extLst>
-              <a:ext uri="{FF2B5EF4-FFF2-40B4-BE49-F238E27FC236}">
-                <a16:creationId xmlns:a16="http://schemas.microsoft.com/office/drawing/2014/main" id="{004D7458-436A-4FFC-9C24-1B8B19EC3813}"/>
-              </a:ext>
-            </a:extLst>
-          </p:cNvPr>
-          <p:cNvSpPr txBox="1"/>
-          <p:nvPr/>
-        </p:nvSpPr>
-        <p:spPr>
-          <a:xfrm>
-            <a:off x="8309490" y="1054100"/>
-            <a:ext cx="3149599" cy="3046988"/>
-          </a:xfrm>
-          <a:prstGeom prst="rect">
-            <a:avLst/>
-          </a:prstGeom>
-          <a:noFill/>
-        </p:spPr>
-        <p:txBody>
-          <a:bodyPr wrap="square" rtlCol="0">
+        </p:spPr>
+        <p:txBody>
+          <a:bodyPr wrap="square">
             <a:spAutoFit/>
           </a:bodyPr>
           <a:lstStyle/>
           <a:p>
-            <a:pPr algn="ctr"/>
-            <a:r>
-              <a:rPr lang="en-US" sz="3200" dirty="0">
+            <a:pPr algn="just"/>
+            <a:r>
+              <a:rPr lang="en-US" sz="1600" dirty="0">
+                <a:latin typeface="+mj-lt"/>
+              </a:rPr>
+              <a:t>The beginning of the twenty first century finds us in an era of governance by performance management and nowhere is this more the case than in welfare programs for the poor. By establishing</a:t>
+            </a:r>
+            <a:r>
+              <a:rPr lang="en-US" dirty="0">
+                <a:latin typeface="+mj-lt"/>
+              </a:rPr>
+              <a:t> </a:t>
+            </a:r>
+            <a:r>
+              <a:rPr lang="en-US" sz="1600" dirty="0">
+                <a:latin typeface="+mj-lt"/>
+              </a:rPr>
+              <a:t>outcome benchmarks focused on work participation and placement, federal and state officials define the goals of service provision and the terms of its evaluation. Choice sets for local actors consist primarily of alternative means toward mandated ends. With these benchmarks in place, sophisticated information systems are used to monitor frontline activities and measure priority outcomes. And based on the outcomes of performance competition, financial rewards and penalties are distributed to incent preferred behaviors and bring lagging service providers to heel. In welfare-to-work programs, performance systems now serve as the core technology for monitoring contract compliance; they guide decisions about when to renew or terminate contracts with local providers; they provide state officials with a yardstick and a prod for the achievement of program goals; and they constitute the major way in which state TANF programs are evaluated by federal officials.  </a:t>
+            </a:r>
+          </a:p>
+          <a:p>
+            <a:pPr algn="just"/>
+            <a:endParaRPr lang="en-US" sz="1600" dirty="0">
+              <a:latin typeface="+mj-lt"/>
+            </a:endParaRPr>
+          </a:p>
+          <a:p>
+            <a:pPr algn="just"/>
+            <a:r>
+              <a:rPr lang="en-US" sz="1600" dirty="0">
+                <a:latin typeface="+mj-lt"/>
+              </a:rPr>
+              <a:t>~The Organization of Discipline, p2</a:t>
+            </a:r>
+          </a:p>
+        </p:txBody>
+      </p:sp>
+      <p:sp>
+        <p:nvSpPr>
+          <p:cNvPr id="4" name="Title 1"/>
+          <p:cNvSpPr txBox="1">
+            <a:spLocks/>
+          </p:cNvSpPr>
+          <p:nvPr/>
+        </p:nvSpPr>
+        <p:spPr>
+          <a:xfrm>
+            <a:off x="838200" y="365125"/>
+            <a:ext cx="10515600" cy="1325563"/>
+          </a:xfrm>
+          <a:prstGeom prst="rect">
+            <a:avLst/>
+          </a:prstGeom>
+        </p:spPr>
+        <p:txBody>
+          <a:bodyPr/>
+          <a:lstStyle>
+            <a:lvl1pPr algn="l" defTabSz="914400" rtl="0" eaLnBrk="1" latinLnBrk="0" hangingPunct="1">
+              <a:lnSpc>
+                <a:spcPct val="90000"/>
+              </a:lnSpc>
+              <a:spcBef>
+                <a:spcPct val="0"/>
+              </a:spcBef>
+              <a:buNone/>
+              <a:defRPr sz="4400" kern="1200">
                 <a:solidFill>
-                  <a:srgbClr val="186BAD"/>
+                  <a:schemeClr val="tx1"/>
                 </a:solidFill>
-              </a:rPr>
-              <a:t>See </a:t>
-            </a:r>
-            <a:r>
-              <a:rPr lang="en-US" sz="3200" i="1" dirty="0">
+                <a:latin typeface="+mj-lt"/>
+                <a:ea typeface="+mj-ea"/>
+                <a:cs typeface="+mj-cs"/>
+              </a:defRPr>
+            </a:lvl1pPr>
+          </a:lstStyle>
+          <a:p>
+            <a:r>
+              <a:rPr lang="en-US" cap="all" dirty="0">
                 <a:solidFill>
-                  <a:srgbClr val="186BAD"/>
+                  <a:srgbClr val="FF6D16"/>
                 </a:solidFill>
-              </a:rPr>
-              <a:t>Weapons of Math Destruction</a:t>
-            </a:r>
-            <a:r>
-              <a:rPr lang="en-US" sz="3200" dirty="0">
-                <a:solidFill>
-                  <a:srgbClr val="186BAD"/>
-                </a:solidFill>
-              </a:rPr>
-              <a:t> for examples of how metrics have been weaponized in public agencies</a:t>
+                <a:latin typeface="Euphemia" panose="020B0503040102020104" pitchFamily="34" charset="0"/>
+              </a:rPr>
+              <a:t>Performance or punishment?</a:t>
             </a:r>
           </a:p>
         </p:txBody>
@@ -15667,7 +15676,7 @@
     </p:spTree>
     <p:extLst>
       <p:ext uri="{BB962C8B-B14F-4D97-AF65-F5344CB8AC3E}">
-        <p14:creationId xmlns:p14="http://schemas.microsoft.com/office/powerpoint/2010/main" val="3551584638"/>
+        <p14:creationId xmlns:p14="http://schemas.microsoft.com/office/powerpoint/2010/main" val="1058516131"/>
       </p:ext>
     </p:extLst>
   </p:cSld>
@@ -15696,69 +15705,128 @@
       </p:grpSpPr>
       <p:sp>
         <p:nvSpPr>
-          <p:cNvPr id="2" name="Title 1"/>
+          <p:cNvPr id="2" name="Slide Number Placeholder 1"/>
           <p:cNvSpPr>
             <a:spLocks noGrp="1"/>
           </p:cNvSpPr>
           <p:nvPr>
-            <p:ph type="title"/>
+            <p:ph type="sldNum" sz="quarter" idx="12"/>
           </p:nvPr>
         </p:nvSpPr>
         <p:spPr/>
         <p:txBody>
-          <a:bodyPr>
-            <a:normAutofit/>
+          <a:bodyPr/>
+          <a:lstStyle/>
+          <a:p>
+            <a:fld id="{A86B8E0B-9E4C-43D6-8E50-A9ED84E3CB71}" type="slidenum">
+              <a:rPr lang="en-US" smtClean="0"/>
+              <a:t>47</a:t>
+            </a:fld>
+            <a:endParaRPr lang="en-US"/>
+          </a:p>
+        </p:txBody>
+      </p:sp>
+      <p:sp>
+        <p:nvSpPr>
+          <p:cNvPr id="3" name="Rectangle 2"/>
+          <p:cNvSpPr/>
+          <p:nvPr/>
+        </p:nvSpPr>
+        <p:spPr>
+          <a:xfrm>
+            <a:off x="1306285" y="1473962"/>
+            <a:ext cx="8220270" cy="2062103"/>
+          </a:xfrm>
+          <a:prstGeom prst="rect">
+            <a:avLst/>
+          </a:prstGeom>
+        </p:spPr>
+        <p:txBody>
+          <a:bodyPr wrap="square">
+            <a:spAutoFit/>
           </a:bodyPr>
           <a:lstStyle/>
           <a:p>
-            <a:r>
-              <a:rPr lang="en-US" sz="2800" cap="all" dirty="0">
+            <a:pPr algn="just"/>
+            <a:r>
+              <a:rPr lang="en-US" sz="1600" dirty="0">
+                <a:latin typeface="+mj-lt"/>
+              </a:rPr>
+              <a:t>Proponents rarely conceptualize performance management as a system of discipline. In celebratory rhetoric, it is presented as a way to harness the dynamic energies of markets, improve the evidentiary basis for policy choices, and reconcile policy experimentation with public accountability. The implicit promise is that local actors will be “freed” to go their own ways and then, later, will be judged by their performance and given the information they need to improve. The reality, however, entails a more complex interplay of structure and agency.</a:t>
+            </a:r>
+          </a:p>
+          <a:p>
+            <a:pPr algn="just"/>
+            <a:endParaRPr lang="en-US" sz="1600" dirty="0">
+              <a:latin typeface="+mj-lt"/>
+            </a:endParaRPr>
+          </a:p>
+          <a:p>
+            <a:pPr algn="just"/>
+            <a:r>
+              <a:rPr lang="en-US" sz="1600" dirty="0">
+                <a:latin typeface="+mj-lt"/>
+              </a:rPr>
+              <a:t>~The Organization of Discipline, p2</a:t>
+            </a:r>
+          </a:p>
+        </p:txBody>
+      </p:sp>
+      <p:sp>
+        <p:nvSpPr>
+          <p:cNvPr id="4" name="Title 1"/>
+          <p:cNvSpPr txBox="1">
+            <a:spLocks/>
+          </p:cNvSpPr>
+          <p:nvPr/>
+        </p:nvSpPr>
+        <p:spPr>
+          <a:xfrm>
+            <a:off x="838200" y="365125"/>
+            <a:ext cx="10515600" cy="1325563"/>
+          </a:xfrm>
+          <a:prstGeom prst="rect">
+            <a:avLst/>
+          </a:prstGeom>
+        </p:spPr>
+        <p:txBody>
+          <a:bodyPr/>
+          <a:lstStyle>
+            <a:lvl1pPr algn="l" defTabSz="914400" rtl="0" eaLnBrk="1" latinLnBrk="0" hangingPunct="1">
+              <a:lnSpc>
+                <a:spcPct val="90000"/>
+              </a:lnSpc>
+              <a:spcBef>
+                <a:spcPct val="0"/>
+              </a:spcBef>
+              <a:buNone/>
+              <a:defRPr sz="4400" kern="1200">
                 <a:solidFill>
-                  <a:srgbClr val="595959"/>
+                  <a:schemeClr val="tx1"/>
+                </a:solidFill>
+                <a:latin typeface="+mj-lt"/>
+                <a:ea typeface="+mj-ea"/>
+                <a:cs typeface="+mj-cs"/>
+              </a:defRPr>
+            </a:lvl1pPr>
+          </a:lstStyle>
+          <a:p>
+            <a:r>
+              <a:rPr lang="en-US" cap="all" dirty="0">
+                <a:solidFill>
+                  <a:srgbClr val="FF6D16"/>
                 </a:solidFill>
                 <a:latin typeface="Euphemia" panose="020B0503040102020104" pitchFamily="34" charset="0"/>
               </a:rPr>
-              <a:t>Comparing teacher “effects”</a:t>
-            </a:r>
-          </a:p>
-        </p:txBody>
-      </p:sp>
-      <p:pic>
-        <p:nvPicPr>
-          <p:cNvPr id="82946" name="Picture 2"/>
-          <p:cNvPicPr>
-            <a:picLocks noChangeAspect="1" noChangeArrowheads="1"/>
-          </p:cNvPicPr>
-          <p:nvPr/>
-        </p:nvPicPr>
-        <p:blipFill>
-          <a:blip r:embed="rId2" cstate="print"/>
-          <a:srcRect/>
-          <a:stretch>
-            <a:fillRect/>
-          </a:stretch>
-        </p:blipFill>
-        <p:spPr bwMode="auto">
-          <a:xfrm>
-            <a:off x="2514600" y="1828800"/>
-            <a:ext cx="7181850" cy="4629150"/>
-          </a:xfrm>
-          <a:prstGeom prst="rect">
-            <a:avLst/>
-          </a:prstGeom>
-          <a:noFill/>
-          <a:ln w="9525">
-            <a:noFill/>
-            <a:miter lim="800000"/>
-            <a:headEnd/>
-            <a:tailEnd/>
-          </a:ln>
-        </p:spPr>
-      </p:pic>
+              <a:t>Performance or punishment?</a:t>
+            </a:r>
+          </a:p>
+        </p:txBody>
+      </p:sp>
     </p:spTree>
     <p:extLst>
       <p:ext uri="{BB962C8B-B14F-4D97-AF65-F5344CB8AC3E}">
-        <p14:creationId xmlns:p14="http://schemas.microsoft.com/office/powerpoint/2010/main" val="1576404734"/>
+        <p14:creationId xmlns:p14="http://schemas.microsoft.com/office/powerpoint/2010/main" val="588128651"/>
       </p:ext>
     </p:extLst>
   </p:cSld>
@@ -16353,15 +16421,223 @@
           <a:chExt cx="0" cy="0"/>
         </a:xfrm>
       </p:grpSpPr>
-      <p:sp>
-        <p:nvSpPr>
-          <p:cNvPr id="3" name="TextBox 2"/>
+      <p:pic>
+        <p:nvPicPr>
+          <p:cNvPr id="4" name="Picture 3"/>
+          <p:cNvPicPr>
+            <a:picLocks noChangeAspect="1"/>
+          </p:cNvPicPr>
+          <p:nvPr/>
+        </p:nvPicPr>
+        <p:blipFill>
+          <a:blip r:embed="rId2"/>
+          <a:stretch>
+            <a:fillRect/>
+          </a:stretch>
+        </p:blipFill>
+        <p:spPr>
+          <a:xfrm>
+            <a:off x="1184988" y="0"/>
+            <a:ext cx="4362450" cy="6858000"/>
+          </a:xfrm>
+          <a:prstGeom prst="rect">
+            <a:avLst/>
+          </a:prstGeom>
+        </p:spPr>
+      </p:pic>
+      <p:sp>
+        <p:nvSpPr>
+          <p:cNvPr id="5" name="TextBox 4"/>
           <p:cNvSpPr txBox="1"/>
           <p:nvPr/>
         </p:nvSpPr>
         <p:spPr>
           <a:xfrm>
-            <a:off x="6415889" y="604935"/>
+            <a:off x="7372350" y="2947813"/>
+            <a:ext cx="2965450" cy="1569660"/>
+          </a:xfrm>
+          <a:prstGeom prst="rect">
+            <a:avLst/>
+          </a:prstGeom>
+          <a:noFill/>
+        </p:spPr>
+        <p:txBody>
+          <a:bodyPr wrap="square" rtlCol="0">
+            <a:spAutoFit/>
+          </a:bodyPr>
+          <a:lstStyle/>
+          <a:p>
+            <a:pPr algn="ctr"/>
+            <a:r>
+              <a:rPr lang="en-US" sz="2400" dirty="0">
+                <a:solidFill>
+                  <a:srgbClr val="186BAD"/>
+                </a:solidFill>
+              </a:rPr>
+              <a:t>Mostly people born in the US. High rates of inter-generational poverty. </a:t>
+            </a:r>
+            <a:endParaRPr lang="en-US" dirty="0">
+              <a:solidFill>
+                <a:srgbClr val="186BAD"/>
+              </a:solidFill>
+            </a:endParaRPr>
+          </a:p>
+        </p:txBody>
+      </p:sp>
+      <p:sp>
+        <p:nvSpPr>
+          <p:cNvPr id="6" name="TextBox 5">
+            <a:extLst>
+              <a:ext uri="{FF2B5EF4-FFF2-40B4-BE49-F238E27FC236}">
+                <a16:creationId xmlns:a16="http://schemas.microsoft.com/office/drawing/2014/main" id="{17B4C2C0-17F5-424D-A171-EC36BE42CFE4}"/>
+              </a:ext>
+            </a:extLst>
+          </p:cNvPr>
+          <p:cNvSpPr txBox="1"/>
+          <p:nvPr/>
+        </p:nvSpPr>
+        <p:spPr>
+          <a:xfrm>
+            <a:off x="7090616" y="5156547"/>
+            <a:ext cx="4096787" cy="1569660"/>
+          </a:xfrm>
+          <a:prstGeom prst="rect">
+            <a:avLst/>
+          </a:prstGeom>
+          <a:noFill/>
+        </p:spPr>
+        <p:txBody>
+          <a:bodyPr wrap="square" rtlCol="0">
+            <a:spAutoFit/>
+          </a:bodyPr>
+          <a:lstStyle/>
+          <a:p>
+            <a:pPr algn="ctr"/>
+            <a:r>
+              <a:rPr lang="en-US" sz="2400" dirty="0">
+                <a:solidFill>
+                  <a:schemeClr val="accent2">
+                    <a:lumMod val="75000"/>
+                  </a:schemeClr>
+                </a:solidFill>
+              </a:rPr>
+              <a:t>Many new immigrants that have few financial assets but strong social capital. Children have high mobility. </a:t>
+            </a:r>
+            <a:endParaRPr lang="en-US" dirty="0">
+              <a:solidFill>
+                <a:schemeClr val="accent2">
+                  <a:lumMod val="75000"/>
+                </a:schemeClr>
+              </a:solidFill>
+            </a:endParaRPr>
+          </a:p>
+        </p:txBody>
+      </p:sp>
+      <p:cxnSp>
+        <p:nvCxnSpPr>
+          <p:cNvPr id="7" name="Straight Arrow Connector 6">
+            <a:extLst>
+              <a:ext uri="{FF2B5EF4-FFF2-40B4-BE49-F238E27FC236}">
+                <a16:creationId xmlns:a16="http://schemas.microsoft.com/office/drawing/2014/main" id="{DA4E470F-A942-4E16-81B3-AA89D2003D95}"/>
+              </a:ext>
+            </a:extLst>
+          </p:cNvPr>
+          <p:cNvCxnSpPr>
+            <a:cxnSpLocks/>
+          </p:cNvCxnSpPr>
+          <p:nvPr/>
+        </p:nvCxnSpPr>
+        <p:spPr>
+          <a:xfrm flipH="1" flipV="1">
+            <a:off x="4387850" y="3060700"/>
+            <a:ext cx="2984500" cy="671943"/>
+          </a:xfrm>
+          <a:prstGeom prst="straightConnector1">
+            <a:avLst/>
+          </a:prstGeom>
+          <a:ln w="69850">
+            <a:solidFill>
+              <a:srgbClr val="186BAD"/>
+            </a:solidFill>
+            <a:tailEnd type="triangle"/>
+          </a:ln>
+        </p:spPr>
+        <p:style>
+          <a:lnRef idx="1">
+            <a:schemeClr val="accent1"/>
+          </a:lnRef>
+          <a:fillRef idx="0">
+            <a:schemeClr val="accent1"/>
+          </a:fillRef>
+          <a:effectRef idx="0">
+            <a:schemeClr val="accent1"/>
+          </a:effectRef>
+          <a:fontRef idx="minor">
+            <a:schemeClr val="tx1"/>
+          </a:fontRef>
+        </p:style>
+      </p:cxnSp>
+      <p:cxnSp>
+        <p:nvCxnSpPr>
+          <p:cNvPr id="10" name="Straight Arrow Connector 9">
+            <a:extLst>
+              <a:ext uri="{FF2B5EF4-FFF2-40B4-BE49-F238E27FC236}">
+                <a16:creationId xmlns:a16="http://schemas.microsoft.com/office/drawing/2014/main" id="{0C297B82-4176-47F5-BCB2-DCDE6CF62BAC}"/>
+              </a:ext>
+            </a:extLst>
+          </p:cNvPr>
+          <p:cNvCxnSpPr>
+            <a:cxnSpLocks/>
+          </p:cNvCxnSpPr>
+          <p:nvPr/>
+        </p:nvCxnSpPr>
+        <p:spPr>
+          <a:xfrm flipH="1">
+            <a:off x="3073400" y="5822951"/>
+            <a:ext cx="3860800" cy="495299"/>
+          </a:xfrm>
+          <a:prstGeom prst="straightConnector1">
+            <a:avLst/>
+          </a:prstGeom>
+          <a:ln w="69850">
+            <a:solidFill>
+              <a:schemeClr val="accent2">
+                <a:lumMod val="75000"/>
+              </a:schemeClr>
+            </a:solidFill>
+            <a:tailEnd type="triangle"/>
+          </a:ln>
+        </p:spPr>
+        <p:style>
+          <a:lnRef idx="1">
+            <a:schemeClr val="accent1"/>
+          </a:lnRef>
+          <a:fillRef idx="0">
+            <a:schemeClr val="accent1"/>
+          </a:fillRef>
+          <a:effectRef idx="0">
+            <a:schemeClr val="accent1"/>
+          </a:effectRef>
+          <a:fontRef idx="minor">
+            <a:schemeClr val="tx1"/>
+          </a:fontRef>
+        </p:style>
+      </p:cxnSp>
+      <p:sp>
+        <p:nvSpPr>
+          <p:cNvPr id="8" name="TextBox 7">
+            <a:extLst>
+              <a:ext uri="{FF2B5EF4-FFF2-40B4-BE49-F238E27FC236}">
+                <a16:creationId xmlns:a16="http://schemas.microsoft.com/office/drawing/2014/main" id="{B9A7131B-FECC-44FD-A485-290214771D43}"/>
+              </a:ext>
+            </a:extLst>
+          </p:cNvPr>
+          <p:cNvSpPr txBox="1"/>
+          <p:nvPr/>
+        </p:nvSpPr>
+        <p:spPr>
+          <a:xfrm>
+            <a:off x="6346039" y="556986"/>
             <a:ext cx="5004133" cy="1569660"/>
           </a:xfrm>
           <a:prstGeom prst="rect">
@@ -16385,198 +16661,7 @@
                 </a:solidFill>
                 <a:latin typeface="Euphemia"/>
               </a:rPr>
-              <a:t>What does the poverty rate measure?</a:t>
-            </a:r>
-          </a:p>
-        </p:txBody>
-      </p:sp>
-      <p:pic>
-        <p:nvPicPr>
-          <p:cNvPr id="4" name="Picture 3"/>
-          <p:cNvPicPr>
-            <a:picLocks noChangeAspect="1"/>
-          </p:cNvPicPr>
-          <p:nvPr/>
-        </p:nvPicPr>
-        <p:blipFill>
-          <a:blip r:embed="rId2"/>
-          <a:stretch>
-            <a:fillRect/>
-          </a:stretch>
-        </p:blipFill>
-        <p:spPr>
-          <a:xfrm>
-            <a:off x="1184988" y="0"/>
-            <a:ext cx="4362450" cy="6858000"/>
-          </a:xfrm>
-          <a:prstGeom prst="rect">
-            <a:avLst/>
-          </a:prstGeom>
-        </p:spPr>
-      </p:pic>
-      <p:sp>
-        <p:nvSpPr>
-          <p:cNvPr id="2" name="TextBox 1">
-            <a:extLst>
-              <a:ext uri="{FF2B5EF4-FFF2-40B4-BE49-F238E27FC236}">
-                <a16:creationId xmlns:a16="http://schemas.microsoft.com/office/drawing/2014/main" id="{524ACE57-A83C-4B33-833D-F757323CF6EA}"/>
-              </a:ext>
-            </a:extLst>
-          </p:cNvPr>
-          <p:cNvSpPr txBox="1"/>
-          <p:nvPr/>
-        </p:nvSpPr>
-        <p:spPr>
-          <a:xfrm>
-            <a:off x="6838950" y="2467413"/>
-            <a:ext cx="4512646" cy="3785652"/>
-          </a:xfrm>
-          <a:prstGeom prst="rect">
-            <a:avLst/>
-          </a:prstGeom>
-          <a:noFill/>
-        </p:spPr>
-        <p:txBody>
-          <a:bodyPr wrap="none" rtlCol="0">
-            <a:spAutoFit/>
-          </a:bodyPr>
-          <a:lstStyle/>
-          <a:p>
-            <a:pPr marL="342900" indent="-342900">
-              <a:buFont typeface="Arial" panose="020B0604020202020204" pitchFamily="34" charset="0"/>
-              <a:buChar char="•"/>
-            </a:pPr>
-            <a:r>
-              <a:rPr lang="en-US" sz="2400" dirty="0">
-                <a:solidFill>
-                  <a:srgbClr val="40A3CB"/>
-                </a:solidFill>
-              </a:rPr>
-              <a:t>Lack of money?</a:t>
-            </a:r>
-          </a:p>
-          <a:p>
-            <a:pPr marL="342900" indent="-342900">
-              <a:buFont typeface="Arial" panose="020B0604020202020204" pitchFamily="34" charset="0"/>
-              <a:buChar char="•"/>
-            </a:pPr>
-            <a:r>
-              <a:rPr lang="en-US" sz="2400" dirty="0">
-                <a:solidFill>
-                  <a:srgbClr val="40A3CB"/>
-                </a:solidFill>
-              </a:rPr>
-              <a:t>Lack of character, morals? </a:t>
-            </a:r>
-          </a:p>
-          <a:p>
-            <a:pPr marL="342900" indent="-342900">
-              <a:buFont typeface="Arial" panose="020B0604020202020204" pitchFamily="34" charset="0"/>
-              <a:buChar char="•"/>
-            </a:pPr>
-            <a:r>
-              <a:rPr lang="en-US" sz="2400" dirty="0">
-                <a:solidFill>
-                  <a:srgbClr val="40A3CB"/>
-                </a:solidFill>
-              </a:rPr>
-              <a:t>Lack of economic opportunity?</a:t>
-            </a:r>
-          </a:p>
-          <a:p>
-            <a:pPr marL="342900" indent="-342900">
-              <a:buFont typeface="Arial" panose="020B0604020202020204" pitchFamily="34" charset="0"/>
-              <a:buChar char="•"/>
-            </a:pPr>
-            <a:r>
-              <a:rPr lang="en-US" sz="2400" dirty="0">
-                <a:solidFill>
-                  <a:srgbClr val="40A3CB"/>
-                </a:solidFill>
-              </a:rPr>
-              <a:t>Limited access to healthcare?</a:t>
-            </a:r>
-          </a:p>
-          <a:p>
-            <a:pPr marL="342900" indent="-342900">
-              <a:buFont typeface="Arial" panose="020B0604020202020204" pitchFamily="34" charset="0"/>
-              <a:buChar char="•"/>
-            </a:pPr>
-            <a:r>
-              <a:rPr lang="en-US" sz="2400" dirty="0">
-                <a:solidFill>
-                  <a:srgbClr val="40A3CB"/>
-                </a:solidFill>
-              </a:rPr>
-              <a:t>Lack of education? </a:t>
-            </a:r>
-          </a:p>
-          <a:p>
-            <a:pPr marL="342900" indent="-342900">
-              <a:buFont typeface="Arial" panose="020B0604020202020204" pitchFamily="34" charset="0"/>
-              <a:buChar char="•"/>
-            </a:pPr>
-            <a:r>
-              <a:rPr lang="en-US" sz="2400" dirty="0">
-                <a:solidFill>
-                  <a:srgbClr val="40A3CB"/>
-                </a:solidFill>
-              </a:rPr>
-              <a:t>Lack of mobility? </a:t>
-            </a:r>
-          </a:p>
-          <a:p>
-            <a:pPr marL="342900" indent="-342900">
-              <a:buFont typeface="Arial" panose="020B0604020202020204" pitchFamily="34" charset="0"/>
-              <a:buChar char="•"/>
-            </a:pPr>
-            <a:r>
-              <a:rPr lang="en-US" sz="2400" dirty="0">
-                <a:solidFill>
-                  <a:srgbClr val="40A3CB"/>
-                </a:solidFill>
-              </a:rPr>
-              <a:t>Position in a caste? </a:t>
-            </a:r>
-          </a:p>
-          <a:p>
-            <a:pPr marL="342900" indent="-342900">
-              <a:buFont typeface="Arial" panose="020B0604020202020204" pitchFamily="34" charset="0"/>
-              <a:buChar char="•"/>
-            </a:pPr>
-            <a:endParaRPr lang="en-US" sz="2400" dirty="0">
-              <a:solidFill>
-                <a:srgbClr val="40A3CB"/>
-              </a:solidFill>
-            </a:endParaRPr>
-          </a:p>
-          <a:p>
-            <a:pPr marL="342900" indent="-342900">
-              <a:buFont typeface="Arial" panose="020B0604020202020204" pitchFamily="34" charset="0"/>
-              <a:buChar char="•"/>
-            </a:pPr>
-            <a:r>
-              <a:rPr lang="en-US" sz="2400" dirty="0">
-                <a:solidFill>
-                  <a:srgbClr val="FB9A59"/>
-                </a:solidFill>
-              </a:rPr>
-              <a:t>Is a college student </a:t>
-            </a:r>
-            <a:br>
-              <a:rPr lang="en-US" sz="2400" dirty="0">
-                <a:solidFill>
-                  <a:srgbClr val="FB9A59"/>
-                </a:solidFill>
-              </a:rPr>
-            </a:br>
-            <a:r>
-              <a:rPr lang="en-US" sz="2400" dirty="0">
-                <a:solidFill>
-                  <a:srgbClr val="FB9A59"/>
-                </a:solidFill>
-              </a:rPr>
-              <a:t>on a fixed budget poor?</a:t>
+              <a:t>NEIGHBORHOODS WITH SIMILAR RATES CAN BE VERY DIFFERENT</a:t>
             </a:r>
           </a:p>
         </p:txBody>
@@ -16584,7 +16669,7 @@
     </p:spTree>
     <p:extLst>
       <p:ext uri="{BB962C8B-B14F-4D97-AF65-F5344CB8AC3E}">
-        <p14:creationId xmlns:p14="http://schemas.microsoft.com/office/powerpoint/2010/main" val="3738846800"/>
+        <p14:creationId xmlns:p14="http://schemas.microsoft.com/office/powerpoint/2010/main" val="3907386690"/>
       </p:ext>
     </p:extLst>
   </p:cSld>
@@ -16643,7 +16728,28 @@
                 </a:solidFill>
                 <a:latin typeface="Euphemia"/>
               </a:rPr>
-              <a:t>What does the poverty rate measure?</a:t>
+              <a:t>What does the poverty rate </a:t>
+            </a:r>
+            <a:br>
+              <a:rPr lang="en-US" sz="3200" cap="all" dirty="0">
+                <a:solidFill>
+                  <a:schemeClr val="bg2">
+                    <a:lumMod val="25000"/>
+                  </a:schemeClr>
+                </a:solidFill>
+                <a:latin typeface="Euphemia"/>
+              </a:rPr>
+            </a:br>
+            <a:r>
+              <a:rPr lang="en-US" sz="3200" cap="all" dirty="0">
+                <a:solidFill>
+                  <a:schemeClr val="bg2">
+                    <a:lumMod val="25000"/>
+                  </a:schemeClr>
+                </a:solidFill>
+                <a:latin typeface="Euphemia"/>
+              </a:rPr>
+              <a:t>ACTUALLY measure?</a:t>
             </a:r>
           </a:p>
         </p:txBody>
@@ -16686,8 +16792,8 @@
         </p:nvSpPr>
         <p:spPr>
           <a:xfrm>
-            <a:off x="6644564" y="2594413"/>
-            <a:ext cx="4648200" cy="3785652"/>
+            <a:off x="6838950" y="2467413"/>
+            <a:ext cx="4512646" cy="3785652"/>
           </a:xfrm>
           <a:prstGeom prst="rect">
             <a:avLst/>
@@ -16695,7 +16801,7 @@
           <a:noFill/>
         </p:spPr>
         <p:txBody>
-          <a:bodyPr wrap="square" rtlCol="0">
+          <a:bodyPr wrap="none" rtlCol="0">
             <a:spAutoFit/>
           </a:bodyPr>
           <a:lstStyle/>
@@ -16710,20 +16816,22 @@
                   <a:srgbClr val="40A3CB"/>
                 </a:solidFill>
               </a:rPr>
-              <a:t>Do we care about the stock, the number of people currently in poverty?</a:t>
-            </a:r>
-            <a:br>
+              <a:t>Lack of money?</a:t>
+            </a:r>
+          </a:p>
+          <a:p>
+            <a:pPr marL="342900" indent="-342900">
+              <a:buFont typeface="Arial" panose="020B0604020202020204" pitchFamily="34" charset="0"/>
+              <a:buChar char="•"/>
+            </a:pPr>
+            <a:r>
               <a:rPr lang="en-US" sz="2400" dirty="0">
                 <a:solidFill>
                   <a:srgbClr val="40A3CB"/>
                 </a:solidFill>
               </a:rPr>
-            </a:br>
-            <a:endParaRPr lang="en-US" sz="2400" dirty="0">
-              <a:solidFill>
-                <a:srgbClr val="40A3CB"/>
-              </a:solidFill>
-            </a:endParaRPr>
+              <a:t>Lack of character, morals? </a:t>
+            </a:r>
           </a:p>
           <a:p>
             <a:pPr marL="342900" indent="-342900">
@@ -16736,7 +16844,63 @@
                   <a:srgbClr val="40A3CB"/>
                 </a:solidFill>
               </a:rPr>
-              <a:t>Or do we care about the flow, the number of households moving into and out of poverty? </a:t>
+              <a:t>Lack of economic opportunity?</a:t>
+            </a:r>
+          </a:p>
+          <a:p>
+            <a:pPr marL="342900" indent="-342900">
+              <a:buFont typeface="Arial" panose="020B0604020202020204" pitchFamily="34" charset="0"/>
+              <a:buChar char="•"/>
+            </a:pPr>
+            <a:r>
+              <a:rPr lang="en-US" sz="2400" dirty="0">
+                <a:solidFill>
+                  <a:srgbClr val="40A3CB"/>
+                </a:solidFill>
+              </a:rPr>
+              <a:t>Limited access to healthcare?</a:t>
+            </a:r>
+          </a:p>
+          <a:p>
+            <a:pPr marL="342900" indent="-342900">
+              <a:buFont typeface="Arial" panose="020B0604020202020204" pitchFamily="34" charset="0"/>
+              <a:buChar char="•"/>
+            </a:pPr>
+            <a:r>
+              <a:rPr lang="en-US" sz="2400" dirty="0">
+                <a:solidFill>
+                  <a:srgbClr val="40A3CB"/>
+                </a:solidFill>
+              </a:rPr>
+              <a:t>Lack of education? </a:t>
+            </a:r>
+          </a:p>
+          <a:p>
+            <a:pPr marL="342900" indent="-342900">
+              <a:buFont typeface="Arial" panose="020B0604020202020204" pitchFamily="34" charset="0"/>
+              <a:buChar char="•"/>
+            </a:pPr>
+            <a:r>
+              <a:rPr lang="en-US" sz="2400" dirty="0">
+                <a:solidFill>
+                  <a:srgbClr val="40A3CB"/>
+                </a:solidFill>
+              </a:rPr>
+              <a:t>Lack of mobility? </a:t>
+            </a:r>
+          </a:p>
+          <a:p>
+            <a:pPr marL="342900" indent="-342900">
+              <a:buFont typeface="Arial" panose="020B0604020202020204" pitchFamily="34" charset="0"/>
+              <a:buChar char="•"/>
+            </a:pPr>
+            <a:r>
+              <a:rPr lang="en-US" sz="2400" dirty="0">
+                <a:solidFill>
+                  <a:srgbClr val="40A3CB"/>
+                </a:solidFill>
+              </a:rPr>
+              <a:t>Position in a caste? </a:t>
             </a:r>
           </a:p>
           <a:p>
@@ -16758,10 +16922,34 @@
             <a:r>
               <a:rPr lang="en-US" sz="2400" dirty="0">
                 <a:solidFill>
-                  <a:srgbClr val="40A3CB"/>
+                  <a:schemeClr val="tx1">
+                    <a:lumMod val="65000"/>
+                    <a:lumOff val="35000"/>
+                  </a:schemeClr>
                 </a:solidFill>
               </a:rPr>
-              <a:t>Is it bad to have too little poverty? </a:t>
+              <a:t>Is a college student </a:t>
+            </a:r>
+            <a:br>
+              <a:rPr lang="en-US" sz="2400" dirty="0">
+                <a:solidFill>
+                  <a:schemeClr val="tx1">
+                    <a:lumMod val="65000"/>
+                    <a:lumOff val="35000"/>
+                  </a:schemeClr>
+                </a:solidFill>
+              </a:rPr>
+            </a:br>
+            <a:r>
+              <a:rPr lang="en-US" sz="2400" dirty="0">
+                <a:solidFill>
+                  <a:schemeClr val="tx1">
+                    <a:lumMod val="65000"/>
+                    <a:lumOff val="35000"/>
+                  </a:schemeClr>
+                </a:solidFill>
+              </a:rPr>
+              <a:t>on a fixed budget poor?</a:t>
             </a:r>
           </a:p>
         </p:txBody>
@@ -16769,7 +16957,7 @@
     </p:spTree>
     <p:extLst>
       <p:ext uri="{BB962C8B-B14F-4D97-AF65-F5344CB8AC3E}">
-        <p14:creationId xmlns:p14="http://schemas.microsoft.com/office/powerpoint/2010/main" val="156112065"/>
+        <p14:creationId xmlns:p14="http://schemas.microsoft.com/office/powerpoint/2010/main" val="3738846800"/>
       </p:ext>
     </p:extLst>
   </p:cSld>
@@ -16806,7 +16994,12 @@
             <p:ph type="title"/>
           </p:nvPr>
         </p:nvSpPr>
-        <p:spPr/>
+        <p:spPr>
+          <a:xfrm>
+            <a:off x="838200" y="365125"/>
+            <a:ext cx="10515600" cy="3870973"/>
+          </a:xfrm>
+        </p:spPr>
         <p:txBody>
           <a:bodyPr>
             <a:normAutofit/>
@@ -16814,14 +17007,51 @@
           <a:lstStyle/>
           <a:p>
             <a:r>
-              <a:rPr lang="en-US" sz="3600" cap="all" dirty="0">
+              <a:rPr lang="en-US" sz="3200" cap="all" dirty="0">
                 <a:solidFill>
                   <a:srgbClr val="FF6D16"/>
                 </a:solidFill>
                 <a:latin typeface="Euphemia" panose="020B0503040102020104" pitchFamily="34" charset="0"/>
               </a:rPr>
-              <a:t>If you could define a new federal measure of poverty, how would you improve it? </a:t>
-            </a:r>
+              <a:t>If you could define a federal measure of poverty, HOW WOULD YOU CREATE A MEANINGFUL SCORE? </a:t>
+            </a:r>
+            <a:br>
+              <a:rPr lang="en-US" sz="3200" cap="all" dirty="0">
+                <a:solidFill>
+                  <a:srgbClr val="FF6D16"/>
+                </a:solidFill>
+                <a:latin typeface="Euphemia" panose="020B0503040102020104" pitchFamily="34" charset="0"/>
+              </a:rPr>
+            </a:br>
+            <a:br>
+              <a:rPr lang="en-US" sz="3200" cap="all" dirty="0">
+                <a:solidFill>
+                  <a:srgbClr val="FF6D16"/>
+                </a:solidFill>
+                <a:latin typeface="Euphemia" panose="020B0503040102020104" pitchFamily="34" charset="0"/>
+              </a:rPr>
+            </a:br>
+            <a:r>
+              <a:rPr lang="en-US" sz="2800" cap="all" dirty="0">
+                <a:solidFill>
+                  <a:schemeClr val="tx1">
+                    <a:lumMod val="65000"/>
+                    <a:lumOff val="35000"/>
+                  </a:schemeClr>
+                </a:solidFill>
+                <a:latin typeface="Euphemia" panose="020B0503040102020104" pitchFamily="34" charset="0"/>
+              </a:rPr>
+              <a:t>WHAT TYPE OF POVERTY WOULD YOUR INDEX MEASURE? </a:t>
+            </a:r>
+            <a:endParaRPr lang="en-US" sz="3200" cap="all" dirty="0">
+              <a:solidFill>
+                <a:schemeClr val="tx1">
+                  <a:lumMod val="65000"/>
+                  <a:lumOff val="35000"/>
+                </a:schemeClr>
+              </a:solidFill>
+              <a:latin typeface="Euphemia" panose="020B0503040102020104" pitchFamily="34" charset="0"/>
+            </a:endParaRPr>
           </a:p>
         </p:txBody>
       </p:sp>
@@ -17034,9 +17264,8 @@
             </a:endParaRPr>
           </a:p>
           <a:p>
-            <a:pPr marL="342900" indent="-342900">
-              <a:buFont typeface="+mj-lt"/>
-              <a:buAutoNum type="arabicPeriod"/>
+            <a:pPr marL="0" indent="0">
+              <a:buNone/>
             </a:pPr>
             <a:br>
               <a:rPr lang="en-US" sz="1800" dirty="0">
